--- a/primer-anio/segundo-cuatrimestre/base-de-datos/teoria/7 Procedimientos_almacenados_2.pptx
+++ b/primer-anio/segundo-cuatrimestre/base-de-datos/teoria/7 Procedimientos_almacenados_2.pptx
@@ -1,49 +1,49 @@
 
 <file path=ppt/presentation.xml><?xml version="1.0" encoding="utf-8"?>
-<p:presentation xmlns:a="http://schemas.openxmlformats.org/drawingml/2006/main" xmlns:r="http://schemas.openxmlformats.org/officeDocument/2006/relationships" xmlns:p="http://schemas.openxmlformats.org/presentationml/2006/main" saveSubsetFonts="1">
+<p:presentation xmlns:a="http://schemas.openxmlformats.org/drawingml/2006/main" xmlns:r="http://schemas.openxmlformats.org/officeDocument/2006/relationships" xmlns:p="http://schemas.openxmlformats.org/presentationml/2006/main">
   <p:sldMasterIdLst>
-    <p:sldMasterId id="2147483779" r:id="rId1"/>
+    <p:sldMasterId id="2147483648" r:id="rId1"/>
   </p:sldMasterIdLst>
   <p:sldIdLst>
-    <p:sldId id="256" r:id="rId2"/>
-    <p:sldId id="262" r:id="rId3"/>
-    <p:sldId id="263" r:id="rId4"/>
-    <p:sldId id="264" r:id="rId5"/>
-    <p:sldId id="265" r:id="rId6"/>
-    <p:sldId id="266" r:id="rId7"/>
-    <p:sldId id="267" r:id="rId8"/>
-    <p:sldId id="268" r:id="rId9"/>
-    <p:sldId id="269" r:id="rId10"/>
-    <p:sldId id="270" r:id="rId11"/>
-    <p:sldId id="271" r:id="rId12"/>
-    <p:sldId id="272" r:id="rId13"/>
-    <p:sldId id="273" r:id="rId14"/>
-    <p:sldId id="274" r:id="rId15"/>
-    <p:sldId id="275" r:id="rId16"/>
-    <p:sldId id="276" r:id="rId17"/>
-    <p:sldId id="277" r:id="rId18"/>
-    <p:sldId id="278" r:id="rId19"/>
-    <p:sldId id="279" r:id="rId20"/>
-    <p:sldId id="280" r:id="rId21"/>
-    <p:sldId id="281" r:id="rId22"/>
-    <p:sldId id="282" r:id="rId23"/>
-    <p:sldId id="283" r:id="rId24"/>
-    <p:sldId id="284" r:id="rId25"/>
-    <p:sldId id="285" r:id="rId26"/>
-    <p:sldId id="312" r:id="rId27"/>
-    <p:sldId id="286" r:id="rId28"/>
-    <p:sldId id="287" r:id="rId29"/>
-    <p:sldId id="288" r:id="rId30"/>
-    <p:sldId id="289" r:id="rId31"/>
-    <p:sldId id="311" r:id="rId32"/>
-    <p:sldId id="313" r:id="rId33"/>
-    <p:sldId id="301" r:id="rId34"/>
-    <p:sldId id="302" r:id="rId35"/>
-    <p:sldId id="303" r:id="rId36"/>
-    <p:sldId id="304" r:id="rId37"/>
-    <p:sldId id="305" r:id="rId38"/>
-    <p:sldId id="314" r:id="rId39"/>
-    <p:sldId id="257" r:id="rId40"/>
+    <p:sldId id="256" r:id="rId3"/>
+    <p:sldId id="262" r:id="rId4"/>
+    <p:sldId id="263" r:id="rId5"/>
+    <p:sldId id="264" r:id="rId6"/>
+    <p:sldId id="265" r:id="rId7"/>
+    <p:sldId id="266" r:id="rId8"/>
+    <p:sldId id="267" r:id="rId9"/>
+    <p:sldId id="268" r:id="rId10"/>
+    <p:sldId id="269" r:id="rId11"/>
+    <p:sldId id="270" r:id="rId12"/>
+    <p:sldId id="271" r:id="rId13"/>
+    <p:sldId id="272" r:id="rId14"/>
+    <p:sldId id="273" r:id="rId15"/>
+    <p:sldId id="274" r:id="rId16"/>
+    <p:sldId id="275" r:id="rId17"/>
+    <p:sldId id="276" r:id="rId18"/>
+    <p:sldId id="277" r:id="rId19"/>
+    <p:sldId id="278" r:id="rId20"/>
+    <p:sldId id="279" r:id="rId21"/>
+    <p:sldId id="280" r:id="rId22"/>
+    <p:sldId id="281" r:id="rId23"/>
+    <p:sldId id="282" r:id="rId24"/>
+    <p:sldId id="283" r:id="rId25"/>
+    <p:sldId id="284" r:id="rId26"/>
+    <p:sldId id="285" r:id="rId27"/>
+    <p:sldId id="312" r:id="rId28"/>
+    <p:sldId id="286" r:id="rId29"/>
+    <p:sldId id="287" r:id="rId30"/>
+    <p:sldId id="288" r:id="rId31"/>
+    <p:sldId id="289" r:id="rId32"/>
+    <p:sldId id="311" r:id="rId33"/>
+    <p:sldId id="313" r:id="rId34"/>
+    <p:sldId id="301" r:id="rId35"/>
+    <p:sldId id="302" r:id="rId36"/>
+    <p:sldId id="303" r:id="rId37"/>
+    <p:sldId id="304" r:id="rId38"/>
+    <p:sldId id="305" r:id="rId39"/>
+    <p:sldId id="314" r:id="rId40"/>
+    <p:sldId id="257" r:id="rId41"/>
   </p:sldIdLst>
   <p:sldSz cx="12192000" cy="6858000"/>
   <p:notesSz cx="6858000" cy="9144000"/>
@@ -145,12 +145,12 @@
   <p:extLst>
     <p:ext uri="{EFAFB233-063F-42B5-8137-9DF3F51BA10A}">
       <p15:sldGuideLst xmlns:p15="http://schemas.microsoft.com/office/powerpoint/2012/main">
-        <p15:guide id="1" orient="horz" pos="2160">
+        <p15:guide id="1" orient="horz" pos="2158" userDrawn="1">
           <p15:clr>
             <a:srgbClr val="A4A3A4"/>
           </p15:clr>
         </p15:guide>
-        <p15:guide id="2" pos="3840">
+        <p15:guide id="2" pos="3840" userDrawn="1">
           <p15:clr>
             <a:srgbClr val="A4A3A4"/>
           </p15:clr>
@@ -162,7 +162,7 @@
 </file>
 
 <file path=ppt/slideLayouts/slideLayout1.xml><?xml version="1.0" encoding="utf-8"?>
-<p:sldLayout xmlns:a="http://schemas.openxmlformats.org/drawingml/2006/main" xmlns:r="http://schemas.openxmlformats.org/officeDocument/2006/relationships" xmlns:p="http://schemas.openxmlformats.org/presentationml/2006/main" showMasterSp="0" type="title" preserve="1">
+<p:sldLayout xmlns:a="http://schemas.openxmlformats.org/drawingml/2006/main" xmlns:r="http://schemas.openxmlformats.org/officeDocument/2006/relationships" xmlns:p="http://schemas.openxmlformats.org/presentationml/2006/main" type="title" preserve="1" showMasterSp="0">
   <p:cSld name="Diapositiva de título">
     <p:spTree>
       <p:nvGrpSpPr>
@@ -216,15 +216,6 @@
             <a:avLst/>
           </a:prstGeom>
           <a:noFill/>
-          <a:extLst>
-            <a:ext uri="{909E8E84-426E-40dd-AFC4-6F175D3DCCD1}">
-              <a14:hiddenFill xmlns:a14="http://schemas.microsoft.com/office/drawing/2010/main" xmlns="">
-                <a:solidFill>
-                  <a:srgbClr val="FFFFFF"/>
-                </a:solidFill>
-              </a14:hiddenFill>
-            </a:ext>
-          </a:extLst>
         </p:spPr>
       </p:pic>
       <p:grpSp>
@@ -275,18 +266,6 @@
             <a:ln>
               <a:noFill/>
             </a:ln>
-            <a:extLst>
-              <a:ext uri="{91240B29-F687-4f45-9708-019B960494DF}">
-                <a14:hiddenLine xmlns:a14="http://schemas.microsoft.com/office/drawing/2010/main" xmlns="" w="9525">
-                  <a:solidFill>
-                    <a:srgbClr val="000000"/>
-                  </a:solidFill>
-                  <a:miter lim="800000"/>
-                  <a:headEnd/>
-                  <a:tailEnd/>
-                </a14:hiddenLine>
-              </a:ext>
-            </a:extLst>
           </p:spPr>
         </p:sp>
         <p:sp>
@@ -365,18 +344,6 @@
             <a:ln>
               <a:noFill/>
             </a:ln>
-            <a:extLst>
-              <a:ext uri="{91240B29-F687-4f45-9708-019B960494DF}">
-                <a14:hiddenLine xmlns:a14="http://schemas.microsoft.com/office/drawing/2010/main" xmlns="" w="9525">
-                  <a:solidFill>
-                    <a:srgbClr val="000000"/>
-                  </a:solidFill>
-                  <a:round/>
-                  <a:headEnd/>
-                  <a:tailEnd/>
-                </a14:hiddenLine>
-              </a:ext>
-            </a:extLst>
           </p:spPr>
         </p:sp>
         <p:sp>
@@ -455,18 +422,6 @@
             <a:ln>
               <a:noFill/>
             </a:ln>
-            <a:extLst>
-              <a:ext uri="{91240B29-F687-4f45-9708-019B960494DF}">
-                <a14:hiddenLine xmlns:a14="http://schemas.microsoft.com/office/drawing/2010/main" xmlns="" w="9525">
-                  <a:solidFill>
-                    <a:srgbClr val="000000"/>
-                  </a:solidFill>
-                  <a:round/>
-                  <a:headEnd/>
-                  <a:tailEnd/>
-                </a14:hiddenLine>
-              </a:ext>
-            </a:extLst>
           </p:spPr>
         </p:sp>
         <p:sp>
@@ -489,18 +444,6 @@
             <a:ln>
               <a:noFill/>
             </a:ln>
-            <a:extLst>
-              <a:ext uri="{91240B29-F687-4f45-9708-019B960494DF}">
-                <a14:hiddenLine xmlns:a14="http://schemas.microsoft.com/office/drawing/2010/main" xmlns="" w="9525">
-                  <a:solidFill>
-                    <a:srgbClr val="000000"/>
-                  </a:solidFill>
-                  <a:miter lim="800000"/>
-                  <a:headEnd/>
-                  <a:tailEnd/>
-                </a14:hiddenLine>
-              </a:ext>
-            </a:extLst>
           </p:spPr>
         </p:sp>
         <p:sp>
@@ -579,18 +522,6 @@
             <a:ln>
               <a:noFill/>
             </a:ln>
-            <a:extLst>
-              <a:ext uri="{91240B29-F687-4f45-9708-019B960494DF}">
-                <a14:hiddenLine xmlns:a14="http://schemas.microsoft.com/office/drawing/2010/main" xmlns="" w="9525">
-                  <a:solidFill>
-                    <a:srgbClr val="000000"/>
-                  </a:solidFill>
-                  <a:round/>
-                  <a:headEnd/>
-                  <a:tailEnd/>
-                </a14:hiddenLine>
-              </a:ext>
-            </a:extLst>
           </p:spPr>
         </p:sp>
         <p:sp>
@@ -641,18 +572,6 @@
             <a:ln>
               <a:noFill/>
             </a:ln>
-            <a:extLst>
-              <a:ext uri="{91240B29-F687-4f45-9708-019B960494DF}">
-                <a14:hiddenLine xmlns:a14="http://schemas.microsoft.com/office/drawing/2010/main" xmlns="" w="9525">
-                  <a:solidFill>
-                    <a:srgbClr val="000000"/>
-                  </a:solidFill>
-                  <a:round/>
-                  <a:headEnd/>
-                  <a:tailEnd/>
-                </a14:hiddenLine>
-              </a:ext>
-            </a:extLst>
           </p:spPr>
         </p:sp>
         <p:sp>
@@ -703,18 +622,6 @@
             <a:ln>
               <a:noFill/>
             </a:ln>
-            <a:extLst>
-              <a:ext uri="{91240B29-F687-4f45-9708-019B960494DF}">
-                <a14:hiddenLine xmlns:a14="http://schemas.microsoft.com/office/drawing/2010/main" xmlns="" w="9525">
-                  <a:solidFill>
-                    <a:srgbClr val="000000"/>
-                  </a:solidFill>
-                  <a:round/>
-                  <a:headEnd/>
-                  <a:tailEnd/>
-                </a14:hiddenLine>
-              </a:ext>
-            </a:extLst>
           </p:spPr>
         </p:sp>
         <p:sp>
@@ -793,18 +700,6 @@
             <a:ln>
               <a:noFill/>
             </a:ln>
-            <a:extLst>
-              <a:ext uri="{91240B29-F687-4f45-9708-019B960494DF}">
-                <a14:hiddenLine xmlns:a14="http://schemas.microsoft.com/office/drawing/2010/main" xmlns="" w="9525">
-                  <a:solidFill>
-                    <a:srgbClr val="000000"/>
-                  </a:solidFill>
-                  <a:round/>
-                  <a:headEnd/>
-                  <a:tailEnd/>
-                </a14:hiddenLine>
-              </a:ext>
-            </a:extLst>
           </p:spPr>
         </p:sp>
         <p:sp>
@@ -855,18 +750,6 @@
             <a:ln>
               <a:noFill/>
             </a:ln>
-            <a:extLst>
-              <a:ext uri="{91240B29-F687-4f45-9708-019B960494DF}">
-                <a14:hiddenLine xmlns:a14="http://schemas.microsoft.com/office/drawing/2010/main" xmlns="" w="9525">
-                  <a:solidFill>
-                    <a:srgbClr val="000000"/>
-                  </a:solidFill>
-                  <a:round/>
-                  <a:headEnd/>
-                  <a:tailEnd/>
-                </a14:hiddenLine>
-              </a:ext>
-            </a:extLst>
           </p:spPr>
         </p:sp>
         <p:sp>
@@ -917,18 +800,6 @@
             <a:ln>
               <a:noFill/>
             </a:ln>
-            <a:extLst>
-              <a:ext uri="{91240B29-F687-4f45-9708-019B960494DF}">
-                <a14:hiddenLine xmlns:a14="http://schemas.microsoft.com/office/drawing/2010/main" xmlns="" w="9525">
-                  <a:solidFill>
-                    <a:srgbClr val="000000"/>
-                  </a:solidFill>
-                  <a:round/>
-                  <a:headEnd/>
-                  <a:tailEnd/>
-                </a14:hiddenLine>
-              </a:ext>
-            </a:extLst>
           </p:spPr>
         </p:sp>
         <p:sp>
@@ -1007,18 +878,6 @@
             <a:ln>
               <a:noFill/>
             </a:ln>
-            <a:extLst>
-              <a:ext uri="{91240B29-F687-4f45-9708-019B960494DF}">
-                <a14:hiddenLine xmlns:a14="http://schemas.microsoft.com/office/drawing/2010/main" xmlns="" w="9525">
-                  <a:solidFill>
-                    <a:srgbClr val="000000"/>
-                  </a:solidFill>
-                  <a:round/>
-                  <a:headEnd/>
-                  <a:tailEnd/>
-                </a14:hiddenLine>
-              </a:ext>
-            </a:extLst>
           </p:spPr>
         </p:sp>
         <p:sp>
@@ -1097,18 +956,6 @@
             <a:ln>
               <a:noFill/>
             </a:ln>
-            <a:extLst>
-              <a:ext uri="{91240B29-F687-4f45-9708-019B960494DF}">
-                <a14:hiddenLine xmlns:a14="http://schemas.microsoft.com/office/drawing/2010/main" xmlns="" w="9525">
-                  <a:solidFill>
-                    <a:srgbClr val="000000"/>
-                  </a:solidFill>
-                  <a:round/>
-                  <a:headEnd/>
-                  <a:tailEnd/>
-                </a14:hiddenLine>
-              </a:ext>
-            </a:extLst>
           </p:spPr>
         </p:sp>
         <p:sp>
@@ -1159,18 +1006,6 @@
             <a:ln>
               <a:noFill/>
             </a:ln>
-            <a:extLst>
-              <a:ext uri="{91240B29-F687-4f45-9708-019B960494DF}">
-                <a14:hiddenLine xmlns:a14="http://schemas.microsoft.com/office/drawing/2010/main" xmlns="" w="9525">
-                  <a:solidFill>
-                    <a:srgbClr val="000000"/>
-                  </a:solidFill>
-                  <a:round/>
-                  <a:headEnd/>
-                  <a:tailEnd/>
-                </a14:hiddenLine>
-              </a:ext>
-            </a:extLst>
           </p:spPr>
         </p:sp>
         <p:sp>
@@ -1269,18 +1104,6 @@
             <a:ln>
               <a:noFill/>
             </a:ln>
-            <a:extLst>
-              <a:ext uri="{91240B29-F687-4f45-9708-019B960494DF}">
-                <a14:hiddenLine xmlns:a14="http://schemas.microsoft.com/office/drawing/2010/main" xmlns="" w="9525">
-                  <a:solidFill>
-                    <a:srgbClr val="000000"/>
-                  </a:solidFill>
-                  <a:round/>
-                  <a:headEnd/>
-                  <a:tailEnd/>
-                </a14:hiddenLine>
-              </a:ext>
-            </a:extLst>
           </p:spPr>
         </p:sp>
         <p:sp>
@@ -1331,18 +1154,6 @@
             <a:ln>
               <a:noFill/>
             </a:ln>
-            <a:extLst>
-              <a:ext uri="{91240B29-F687-4f45-9708-019B960494DF}">
-                <a14:hiddenLine xmlns:a14="http://schemas.microsoft.com/office/drawing/2010/main" xmlns="" w="9525">
-                  <a:solidFill>
-                    <a:srgbClr val="000000"/>
-                  </a:solidFill>
-                  <a:round/>
-                  <a:headEnd/>
-                  <a:tailEnd/>
-                </a14:hiddenLine>
-              </a:ext>
-            </a:extLst>
           </p:spPr>
         </p:sp>
         <p:sp>
@@ -1421,18 +1232,6 @@
             <a:ln>
               <a:noFill/>
             </a:ln>
-            <a:extLst>
-              <a:ext uri="{91240B29-F687-4f45-9708-019B960494DF}">
-                <a14:hiddenLine xmlns:a14="http://schemas.microsoft.com/office/drawing/2010/main" xmlns="" w="9525">
-                  <a:solidFill>
-                    <a:srgbClr val="000000"/>
-                  </a:solidFill>
-                  <a:round/>
-                  <a:headEnd/>
-                  <a:tailEnd/>
-                </a14:hiddenLine>
-              </a:ext>
-            </a:extLst>
           </p:spPr>
         </p:sp>
         <p:sp>
@@ -1511,18 +1310,6 @@
             <a:ln>
               <a:noFill/>
             </a:ln>
-            <a:extLst>
-              <a:ext uri="{91240B29-F687-4f45-9708-019B960494DF}">
-                <a14:hiddenLine xmlns:a14="http://schemas.microsoft.com/office/drawing/2010/main" xmlns="" w="9525">
-                  <a:solidFill>
-                    <a:srgbClr val="000000"/>
-                  </a:solidFill>
-                  <a:round/>
-                  <a:headEnd/>
-                  <a:tailEnd/>
-                </a14:hiddenLine>
-              </a:ext>
-            </a:extLst>
           </p:spPr>
         </p:sp>
         <p:sp>
@@ -1573,18 +1360,6 @@
             <a:ln>
               <a:noFill/>
             </a:ln>
-            <a:extLst>
-              <a:ext uri="{91240B29-F687-4f45-9708-019B960494DF}">
-                <a14:hiddenLine xmlns:a14="http://schemas.microsoft.com/office/drawing/2010/main" xmlns="" w="9525">
-                  <a:solidFill>
-                    <a:srgbClr val="000000"/>
-                  </a:solidFill>
-                  <a:round/>
-                  <a:headEnd/>
-                  <a:tailEnd/>
-                </a14:hiddenLine>
-              </a:ext>
-            </a:extLst>
           </p:spPr>
         </p:sp>
         <p:sp>
@@ -1663,18 +1438,6 @@
             <a:ln>
               <a:noFill/>
             </a:ln>
-            <a:extLst>
-              <a:ext uri="{91240B29-F687-4f45-9708-019B960494DF}">
-                <a14:hiddenLine xmlns:a14="http://schemas.microsoft.com/office/drawing/2010/main" xmlns="" w="9525">
-                  <a:solidFill>
-                    <a:srgbClr val="000000"/>
-                  </a:solidFill>
-                  <a:round/>
-                  <a:headEnd/>
-                  <a:tailEnd/>
-                </a14:hiddenLine>
-              </a:ext>
-            </a:extLst>
           </p:spPr>
         </p:sp>
         <p:sp>
@@ -1753,18 +1516,6 @@
             <a:ln>
               <a:noFill/>
             </a:ln>
-            <a:extLst>
-              <a:ext uri="{91240B29-F687-4f45-9708-019B960494DF}">
-                <a14:hiddenLine xmlns:a14="http://schemas.microsoft.com/office/drawing/2010/main" xmlns="" w="9525">
-                  <a:solidFill>
-                    <a:srgbClr val="000000"/>
-                  </a:solidFill>
-                  <a:round/>
-                  <a:headEnd/>
-                  <a:tailEnd/>
-                </a14:hiddenLine>
-              </a:ext>
-            </a:extLst>
           </p:spPr>
         </p:sp>
         <p:sp>
@@ -1809,18 +1560,6 @@
             <a:ln>
               <a:noFill/>
             </a:ln>
-            <a:extLst>
-              <a:ext uri="{91240B29-F687-4f45-9708-019B960494DF}">
-                <a14:hiddenLine xmlns:a14="http://schemas.microsoft.com/office/drawing/2010/main" xmlns="" w="9525">
-                  <a:solidFill>
-                    <a:srgbClr val="000000"/>
-                  </a:solidFill>
-                  <a:round/>
-                  <a:headEnd/>
-                  <a:tailEnd/>
-                </a14:hiddenLine>
-              </a:ext>
-            </a:extLst>
           </p:spPr>
         </p:sp>
         <p:sp>
@@ -1899,18 +1638,6 @@
             <a:ln>
               <a:noFill/>
             </a:ln>
-            <a:extLst>
-              <a:ext uri="{91240B29-F687-4f45-9708-019B960494DF}">
-                <a14:hiddenLine xmlns:a14="http://schemas.microsoft.com/office/drawing/2010/main" xmlns="" w="9525">
-                  <a:solidFill>
-                    <a:srgbClr val="000000"/>
-                  </a:solidFill>
-                  <a:round/>
-                  <a:headEnd/>
-                  <a:tailEnd/>
-                </a14:hiddenLine>
-              </a:ext>
-            </a:extLst>
           </p:spPr>
         </p:sp>
         <p:sp>
@@ -1955,18 +1682,6 @@
             <a:ln>
               <a:noFill/>
             </a:ln>
-            <a:extLst>
-              <a:ext uri="{91240B29-F687-4f45-9708-019B960494DF}">
-                <a14:hiddenLine xmlns:a14="http://schemas.microsoft.com/office/drawing/2010/main" xmlns="" w="9525">
-                  <a:solidFill>
-                    <a:srgbClr val="000000"/>
-                  </a:solidFill>
-                  <a:round/>
-                  <a:headEnd/>
-                  <a:tailEnd/>
-                </a14:hiddenLine>
-              </a:ext>
-            </a:extLst>
           </p:spPr>
         </p:sp>
         <p:sp>
@@ -2045,18 +1760,6 @@
             <a:ln>
               <a:noFill/>
             </a:ln>
-            <a:extLst>
-              <a:ext uri="{91240B29-F687-4f45-9708-019B960494DF}">
-                <a14:hiddenLine xmlns:a14="http://schemas.microsoft.com/office/drawing/2010/main" xmlns="" w="9525">
-                  <a:solidFill>
-                    <a:srgbClr val="000000"/>
-                  </a:solidFill>
-                  <a:round/>
-                  <a:headEnd/>
-                  <a:tailEnd/>
-                </a14:hiddenLine>
-              </a:ext>
-            </a:extLst>
           </p:spPr>
         </p:sp>
         <p:sp>
@@ -2113,18 +1816,6 @@
             <a:ln>
               <a:noFill/>
             </a:ln>
-            <a:extLst>
-              <a:ext uri="{91240B29-F687-4f45-9708-019B960494DF}">
-                <a14:hiddenLine xmlns:a14="http://schemas.microsoft.com/office/drawing/2010/main" xmlns="" w="9525">
-                  <a:solidFill>
-                    <a:srgbClr val="000000"/>
-                  </a:solidFill>
-                  <a:round/>
-                  <a:headEnd/>
-                  <a:tailEnd/>
-                </a14:hiddenLine>
-              </a:ext>
-            </a:extLst>
           </p:spPr>
         </p:sp>
         <p:sp>
@@ -2203,18 +1894,6 @@
             <a:ln>
               <a:noFill/>
             </a:ln>
-            <a:extLst>
-              <a:ext uri="{91240B29-F687-4f45-9708-019B960494DF}">
-                <a14:hiddenLine xmlns:a14="http://schemas.microsoft.com/office/drawing/2010/main" xmlns="" w="9525">
-                  <a:solidFill>
-                    <a:srgbClr val="000000"/>
-                  </a:solidFill>
-                  <a:round/>
-                  <a:headEnd/>
-                  <a:tailEnd/>
-                </a14:hiddenLine>
-              </a:ext>
-            </a:extLst>
           </p:spPr>
         </p:sp>
         <p:sp>
@@ -2271,18 +1950,6 @@
             <a:ln>
               <a:noFill/>
             </a:ln>
-            <a:extLst>
-              <a:ext uri="{91240B29-F687-4f45-9708-019B960494DF}">
-                <a14:hiddenLine xmlns:a14="http://schemas.microsoft.com/office/drawing/2010/main" xmlns="" w="9525">
-                  <a:solidFill>
-                    <a:srgbClr val="000000"/>
-                  </a:solidFill>
-                  <a:round/>
-                  <a:headEnd/>
-                  <a:tailEnd/>
-                </a14:hiddenLine>
-              </a:ext>
-            </a:extLst>
           </p:spPr>
         </p:sp>
         <p:sp>
@@ -2361,18 +2028,6 @@
             <a:ln>
               <a:noFill/>
             </a:ln>
-            <a:extLst>
-              <a:ext uri="{91240B29-F687-4f45-9708-019B960494DF}">
-                <a14:hiddenLine xmlns:a14="http://schemas.microsoft.com/office/drawing/2010/main" xmlns="" w="9525">
-                  <a:solidFill>
-                    <a:srgbClr val="000000"/>
-                  </a:solidFill>
-                  <a:round/>
-                  <a:headEnd/>
-                  <a:tailEnd/>
-                </a14:hiddenLine>
-              </a:ext>
-            </a:extLst>
           </p:spPr>
         </p:sp>
         <p:sp>
@@ -2395,18 +2050,6 @@
             <a:ln>
               <a:noFill/>
             </a:ln>
-            <a:extLst>
-              <a:ext uri="{91240B29-F687-4f45-9708-019B960494DF}">
-                <a14:hiddenLine xmlns:a14="http://schemas.microsoft.com/office/drawing/2010/main" xmlns="" w="9525">
-                  <a:solidFill>
-                    <a:srgbClr val="000000"/>
-                  </a:solidFill>
-                  <a:miter lim="800000"/>
-                  <a:headEnd/>
-                  <a:tailEnd/>
-                </a14:hiddenLine>
-              </a:ext>
-            </a:extLst>
           </p:spPr>
         </p:sp>
         <p:sp>
@@ -2485,18 +2128,6 @@
             <a:ln>
               <a:noFill/>
             </a:ln>
-            <a:extLst>
-              <a:ext uri="{91240B29-F687-4f45-9708-019B960494DF}">
-                <a14:hiddenLine xmlns:a14="http://schemas.microsoft.com/office/drawing/2010/main" xmlns="" w="9525">
-                  <a:solidFill>
-                    <a:srgbClr val="000000"/>
-                  </a:solidFill>
-                  <a:round/>
-                  <a:headEnd/>
-                  <a:tailEnd/>
-                </a14:hiddenLine>
-              </a:ext>
-            </a:extLst>
           </p:spPr>
         </p:sp>
         <p:sp>
@@ -2547,18 +2178,6 @@
             <a:ln>
               <a:noFill/>
             </a:ln>
-            <a:extLst>
-              <a:ext uri="{91240B29-F687-4f45-9708-019B960494DF}">
-                <a14:hiddenLine xmlns:a14="http://schemas.microsoft.com/office/drawing/2010/main" xmlns="" w="9525">
-                  <a:solidFill>
-                    <a:srgbClr val="000000"/>
-                  </a:solidFill>
-                  <a:round/>
-                  <a:headEnd/>
-                  <a:tailEnd/>
-                </a14:hiddenLine>
-              </a:ext>
-            </a:extLst>
           </p:spPr>
         </p:sp>
         <p:sp>
@@ -2609,18 +2228,6 @@
             <a:ln>
               <a:noFill/>
             </a:ln>
-            <a:extLst>
-              <a:ext uri="{91240B29-F687-4f45-9708-019B960494DF}">
-                <a14:hiddenLine xmlns:a14="http://schemas.microsoft.com/office/drawing/2010/main" xmlns="" w="9525">
-                  <a:solidFill>
-                    <a:srgbClr val="000000"/>
-                  </a:solidFill>
-                  <a:round/>
-                  <a:headEnd/>
-                  <a:tailEnd/>
-                </a14:hiddenLine>
-              </a:ext>
-            </a:extLst>
           </p:spPr>
         </p:sp>
         <p:sp>
@@ -2699,18 +2306,6 @@
             <a:ln>
               <a:noFill/>
             </a:ln>
-            <a:extLst>
-              <a:ext uri="{91240B29-F687-4f45-9708-019B960494DF}">
-                <a14:hiddenLine xmlns:a14="http://schemas.microsoft.com/office/drawing/2010/main" xmlns="" w="9525">
-                  <a:solidFill>
-                    <a:srgbClr val="000000"/>
-                  </a:solidFill>
-                  <a:round/>
-                  <a:headEnd/>
-                  <a:tailEnd/>
-                </a14:hiddenLine>
-              </a:ext>
-            </a:extLst>
           </p:spPr>
         </p:sp>
         <p:sp>
@@ -2767,18 +2362,6 @@
             <a:ln>
               <a:noFill/>
             </a:ln>
-            <a:extLst>
-              <a:ext uri="{91240B29-F687-4f45-9708-019B960494DF}">
-                <a14:hiddenLine xmlns:a14="http://schemas.microsoft.com/office/drawing/2010/main" xmlns="" w="9525">
-                  <a:solidFill>
-                    <a:srgbClr val="000000"/>
-                  </a:solidFill>
-                  <a:round/>
-                  <a:headEnd/>
-                  <a:tailEnd/>
-                </a14:hiddenLine>
-              </a:ext>
-            </a:extLst>
           </p:spPr>
         </p:sp>
         <p:sp>
@@ -2829,18 +2412,6 @@
             <a:ln>
               <a:noFill/>
             </a:ln>
-            <a:extLst>
-              <a:ext uri="{91240B29-F687-4f45-9708-019B960494DF}">
-                <a14:hiddenLine xmlns:a14="http://schemas.microsoft.com/office/drawing/2010/main" xmlns="" w="9525">
-                  <a:solidFill>
-                    <a:srgbClr val="000000"/>
-                  </a:solidFill>
-                  <a:round/>
-                  <a:headEnd/>
-                  <a:tailEnd/>
-                </a14:hiddenLine>
-              </a:ext>
-            </a:extLst>
           </p:spPr>
         </p:sp>
         <p:sp>
@@ -2919,18 +2490,6 @@
             <a:ln>
               <a:noFill/>
             </a:ln>
-            <a:extLst>
-              <a:ext uri="{91240B29-F687-4f45-9708-019B960494DF}">
-                <a14:hiddenLine xmlns:a14="http://schemas.microsoft.com/office/drawing/2010/main" xmlns="" w="9525">
-                  <a:solidFill>
-                    <a:srgbClr val="000000"/>
-                  </a:solidFill>
-                  <a:round/>
-                  <a:headEnd/>
-                  <a:tailEnd/>
-                </a14:hiddenLine>
-              </a:ext>
-            </a:extLst>
           </p:spPr>
         </p:sp>
         <p:sp>
@@ -2981,18 +2540,6 @@
             <a:ln>
               <a:noFill/>
             </a:ln>
-            <a:extLst>
-              <a:ext uri="{91240B29-F687-4f45-9708-019B960494DF}">
-                <a14:hiddenLine xmlns:a14="http://schemas.microsoft.com/office/drawing/2010/main" xmlns="" w="9525">
-                  <a:solidFill>
-                    <a:srgbClr val="000000"/>
-                  </a:solidFill>
-                  <a:round/>
-                  <a:headEnd/>
-                  <a:tailEnd/>
-                </a14:hiddenLine>
-              </a:ext>
-            </a:extLst>
           </p:spPr>
         </p:sp>
         <p:sp>
@@ -3071,18 +2618,6 @@
             <a:ln>
               <a:noFill/>
             </a:ln>
-            <a:extLst>
-              <a:ext uri="{91240B29-F687-4f45-9708-019B960494DF}">
-                <a14:hiddenLine xmlns:a14="http://schemas.microsoft.com/office/drawing/2010/main" xmlns="" w="9525">
-                  <a:solidFill>
-                    <a:srgbClr val="000000"/>
-                  </a:solidFill>
-                  <a:round/>
-                  <a:headEnd/>
-                  <a:tailEnd/>
-                </a14:hiddenLine>
-              </a:ext>
-            </a:extLst>
           </p:spPr>
         </p:sp>
         <p:sp>
@@ -3133,18 +2668,6 @@
             <a:ln>
               <a:noFill/>
             </a:ln>
-            <a:extLst>
-              <a:ext uri="{91240B29-F687-4f45-9708-019B960494DF}">
-                <a14:hiddenLine xmlns:a14="http://schemas.microsoft.com/office/drawing/2010/main" xmlns="" w="9525">
-                  <a:solidFill>
-                    <a:srgbClr val="000000"/>
-                  </a:solidFill>
-                  <a:round/>
-                  <a:headEnd/>
-                  <a:tailEnd/>
-                </a14:hiddenLine>
-              </a:ext>
-            </a:extLst>
           </p:spPr>
         </p:sp>
         <p:sp>
@@ -3223,18 +2746,6 @@
             <a:ln>
               <a:noFill/>
             </a:ln>
-            <a:extLst>
-              <a:ext uri="{91240B29-F687-4f45-9708-019B960494DF}">
-                <a14:hiddenLine xmlns:a14="http://schemas.microsoft.com/office/drawing/2010/main" xmlns="" w="9525">
-                  <a:solidFill>
-                    <a:srgbClr val="000000"/>
-                  </a:solidFill>
-                  <a:round/>
-                  <a:headEnd/>
-                  <a:tailEnd/>
-                </a14:hiddenLine>
-              </a:ext>
-            </a:extLst>
           </p:spPr>
         </p:sp>
         <p:sp>
@@ -3257,18 +2768,6 @@
             <a:ln>
               <a:noFill/>
             </a:ln>
-            <a:extLst>
-              <a:ext uri="{91240B29-F687-4f45-9708-019B960494DF}">
-                <a14:hiddenLine xmlns:a14="http://schemas.microsoft.com/office/drawing/2010/main" xmlns="" w="9525">
-                  <a:solidFill>
-                    <a:srgbClr val="000000"/>
-                  </a:solidFill>
-                  <a:miter lim="800000"/>
-                  <a:headEnd/>
-                  <a:tailEnd/>
-                </a14:hiddenLine>
-              </a:ext>
-            </a:extLst>
           </p:spPr>
         </p:sp>
         <p:sp>
@@ -3322,18 +2821,6 @@
             <a:ln>
               <a:noFill/>
             </a:ln>
-            <a:extLst>
-              <a:ext uri="{91240B29-F687-4f45-9708-019B960494DF}">
-                <a14:hiddenLine xmlns:a14="http://schemas.microsoft.com/office/drawing/2010/main" xmlns="" w="9525">
-                  <a:solidFill>
-                    <a:srgbClr val="000000"/>
-                  </a:solidFill>
-                  <a:round/>
-                  <a:headEnd/>
-                  <a:tailEnd/>
-                </a14:hiddenLine>
-              </a:ext>
-            </a:extLst>
           </p:spPr>
         </p:sp>
         <p:sp>
@@ -3412,18 +2899,6 @@
             <a:ln>
               <a:noFill/>
             </a:ln>
-            <a:extLst>
-              <a:ext uri="{91240B29-F687-4f45-9708-019B960494DF}">
-                <a14:hiddenLine xmlns:a14="http://schemas.microsoft.com/office/drawing/2010/main" xmlns="" w="9525">
-                  <a:solidFill>
-                    <a:srgbClr val="000000"/>
-                  </a:solidFill>
-                  <a:round/>
-                  <a:headEnd/>
-                  <a:tailEnd/>
-                </a14:hiddenLine>
-              </a:ext>
-            </a:extLst>
           </p:spPr>
         </p:sp>
         <p:sp>
@@ -3474,18 +2949,6 @@
             <a:ln>
               <a:noFill/>
             </a:ln>
-            <a:extLst>
-              <a:ext uri="{91240B29-F687-4f45-9708-019B960494DF}">
-                <a14:hiddenLine xmlns:a14="http://schemas.microsoft.com/office/drawing/2010/main" xmlns="" w="9525">
-                  <a:solidFill>
-                    <a:srgbClr val="000000"/>
-                  </a:solidFill>
-                  <a:round/>
-                  <a:headEnd/>
-                  <a:tailEnd/>
-                </a14:hiddenLine>
-              </a:ext>
-            </a:extLst>
           </p:spPr>
         </p:sp>
         <p:sp>
@@ -3564,18 +3027,6 @@
             <a:ln>
               <a:noFill/>
             </a:ln>
-            <a:extLst>
-              <a:ext uri="{91240B29-F687-4f45-9708-019B960494DF}">
-                <a14:hiddenLine xmlns:a14="http://schemas.microsoft.com/office/drawing/2010/main" xmlns="" w="9525">
-                  <a:solidFill>
-                    <a:srgbClr val="000000"/>
-                  </a:solidFill>
-                  <a:round/>
-                  <a:headEnd/>
-                  <a:tailEnd/>
-                </a14:hiddenLine>
-              </a:ext>
-            </a:extLst>
           </p:spPr>
         </p:sp>
         <p:sp>
@@ -3654,18 +3105,6 @@
             <a:ln>
               <a:noFill/>
             </a:ln>
-            <a:extLst>
-              <a:ext uri="{91240B29-F687-4f45-9708-019B960494DF}">
-                <a14:hiddenLine xmlns:a14="http://schemas.microsoft.com/office/drawing/2010/main" xmlns="" w="9525">
-                  <a:solidFill>
-                    <a:srgbClr val="000000"/>
-                  </a:solidFill>
-                  <a:round/>
-                  <a:headEnd/>
-                  <a:tailEnd/>
-                </a14:hiddenLine>
-              </a:ext>
-            </a:extLst>
           </p:spPr>
         </p:sp>
         <p:sp>
@@ -3719,18 +3158,6 @@
             <a:ln>
               <a:noFill/>
             </a:ln>
-            <a:extLst>
-              <a:ext uri="{91240B29-F687-4f45-9708-019B960494DF}">
-                <a14:hiddenLine xmlns:a14="http://schemas.microsoft.com/office/drawing/2010/main" xmlns="" w="9525">
-                  <a:solidFill>
-                    <a:srgbClr val="000000"/>
-                  </a:solidFill>
-                  <a:round/>
-                  <a:headEnd/>
-                  <a:tailEnd/>
-                </a14:hiddenLine>
-              </a:ext>
-            </a:extLst>
           </p:spPr>
         </p:sp>
         <p:sp>
@@ -3781,18 +3208,6 @@
             <a:ln>
               <a:noFill/>
             </a:ln>
-            <a:extLst>
-              <a:ext uri="{91240B29-F687-4f45-9708-019B960494DF}">
-                <a14:hiddenLine xmlns:a14="http://schemas.microsoft.com/office/drawing/2010/main" xmlns="" w="9525">
-                  <a:solidFill>
-                    <a:srgbClr val="000000"/>
-                  </a:solidFill>
-                  <a:round/>
-                  <a:headEnd/>
-                  <a:tailEnd/>
-                </a14:hiddenLine>
-              </a:ext>
-            </a:extLst>
           </p:spPr>
         </p:sp>
         <p:sp>
@@ -3871,18 +3286,6 @@
             <a:ln>
               <a:noFill/>
             </a:ln>
-            <a:extLst>
-              <a:ext uri="{91240B29-F687-4f45-9708-019B960494DF}">
-                <a14:hiddenLine xmlns:a14="http://schemas.microsoft.com/office/drawing/2010/main" xmlns="" w="9525">
-                  <a:solidFill>
-                    <a:srgbClr val="000000"/>
-                  </a:solidFill>
-                  <a:round/>
-                  <a:headEnd/>
-                  <a:tailEnd/>
-                </a14:hiddenLine>
-              </a:ext>
-            </a:extLst>
           </p:spPr>
         </p:sp>
         <p:sp>
@@ -3961,18 +3364,6 @@
             <a:ln>
               <a:noFill/>
             </a:ln>
-            <a:extLst>
-              <a:ext uri="{91240B29-F687-4f45-9708-019B960494DF}">
-                <a14:hiddenLine xmlns:a14="http://schemas.microsoft.com/office/drawing/2010/main" xmlns="" w="9525">
-                  <a:solidFill>
-                    <a:srgbClr val="000000"/>
-                  </a:solidFill>
-                  <a:round/>
-                  <a:headEnd/>
-                  <a:tailEnd/>
-                </a14:hiddenLine>
-              </a:ext>
-            </a:extLst>
           </p:spPr>
         </p:sp>
         <p:sp>
@@ -4023,18 +3414,6 @@
             <a:ln>
               <a:noFill/>
             </a:ln>
-            <a:extLst>
-              <a:ext uri="{91240B29-F687-4f45-9708-019B960494DF}">
-                <a14:hiddenLine xmlns:a14="http://schemas.microsoft.com/office/drawing/2010/main" xmlns="" w="9525">
-                  <a:solidFill>
-                    <a:srgbClr val="000000"/>
-                  </a:solidFill>
-                  <a:round/>
-                  <a:headEnd/>
-                  <a:tailEnd/>
-                </a14:hiddenLine>
-              </a:ext>
-            </a:extLst>
           </p:spPr>
         </p:sp>
         <p:sp>
@@ -4143,18 +3522,6 @@
             <a:ln>
               <a:noFill/>
             </a:ln>
-            <a:extLst>
-              <a:ext uri="{91240B29-F687-4f45-9708-019B960494DF}">
-                <a14:hiddenLine xmlns:a14="http://schemas.microsoft.com/office/drawing/2010/main" xmlns="" w="9525">
-                  <a:solidFill>
-                    <a:srgbClr val="000000"/>
-                  </a:solidFill>
-                  <a:round/>
-                  <a:headEnd/>
-                  <a:tailEnd/>
-                </a14:hiddenLine>
-              </a:ext>
-            </a:extLst>
           </p:spPr>
         </p:sp>
         <p:sp>
@@ -4211,18 +3578,6 @@
             <a:ln>
               <a:noFill/>
             </a:ln>
-            <a:extLst>
-              <a:ext uri="{91240B29-F687-4f45-9708-019B960494DF}">
-                <a14:hiddenLine xmlns:a14="http://schemas.microsoft.com/office/drawing/2010/main" xmlns="" w="9525">
-                  <a:solidFill>
-                    <a:srgbClr val="000000"/>
-                  </a:solidFill>
-                  <a:round/>
-                  <a:headEnd/>
-                  <a:tailEnd/>
-                </a14:hiddenLine>
-              </a:ext>
-            </a:extLst>
           </p:spPr>
         </p:sp>
         <p:sp>
@@ -4301,18 +3656,6 @@
             <a:ln>
               <a:noFill/>
             </a:ln>
-            <a:extLst>
-              <a:ext uri="{91240B29-F687-4f45-9708-019B960494DF}">
-                <a14:hiddenLine xmlns:a14="http://schemas.microsoft.com/office/drawing/2010/main" xmlns="" w="9525">
-                  <a:solidFill>
-                    <a:srgbClr val="000000"/>
-                  </a:solidFill>
-                  <a:round/>
-                  <a:headEnd/>
-                  <a:tailEnd/>
-                </a14:hiddenLine>
-              </a:ext>
-            </a:extLst>
           </p:spPr>
         </p:sp>
       </p:grpSp>
@@ -4357,7 +3700,7 @@
             <a:spLocks noGrp="1"/>
           </p:cNvSpPr>
           <p:nvPr>
-            <p:ph type="subTitle" idx="1"/>
+            <p:ph type="subTitle" idx="1" hasCustomPrompt="1"/>
           </p:nvPr>
         </p:nvSpPr>
         <p:spPr>
@@ -4443,8 +3786,6 @@
           <a:p>
             <a:fld id="{688CFFE6-35ED-44EA-8B97-0818B3961DD0}" type="datetimeFigureOut">
               <a:rPr lang="es-AR" smtClean="0"/>
-              <a:pPr/>
-              <a:t>06/05/2019</a:t>
             </a:fld>
             <a:endParaRPr lang="es-AR"/>
           </a:p>
@@ -4496,19 +3837,12 @@
           <a:p>
             <a:fld id="{14D31B5F-CBBD-4E77-9701-40E35D75C5FE}" type="slidenum">
               <a:rPr lang="es-AR" smtClean="0"/>
-              <a:pPr/>
-              <a:t>‹Nº›</a:t>
             </a:fld>
             <a:endParaRPr lang="es-AR"/>
           </a:p>
         </p:txBody>
       </p:sp>
     </p:spTree>
-    <p:extLst>
-      <p:ext uri="{BB962C8B-B14F-4D97-AF65-F5344CB8AC3E}">
-        <p14:creationId xmlns:p14="http://schemas.microsoft.com/office/powerpoint/2010/main" val="1293521254"/>
-      </p:ext>
-    </p:extLst>
   </p:cSld>
   <p:clrMapOvr>
     <a:masterClrMapping/>
@@ -4635,7 +3969,7 @@
             <a:spLocks noGrp="1"/>
           </p:cNvSpPr>
           <p:nvPr>
-            <p:ph type="body" sz="half" idx="2"/>
+            <p:ph type="body" sz="half" idx="2" hasCustomPrompt="1"/>
           </p:nvPr>
         </p:nvSpPr>
         <p:spPr>
@@ -4692,6 +4026,7 @@
               <a:rPr lang="es-ES"/>
               <a:t>Haga clic para modificar los estilos de texto del patrón</a:t>
             </a:r>
+            <a:endParaRPr lang="es-ES"/>
           </a:p>
         </p:txBody>
       </p:sp>
@@ -4712,8 +4047,6 @@
           <a:p>
             <a:fld id="{688CFFE6-35ED-44EA-8B97-0818B3961DD0}" type="datetimeFigureOut">
               <a:rPr lang="es-AR" smtClean="0"/>
-              <a:pPr/>
-              <a:t>06/05/2019</a:t>
             </a:fld>
             <a:endParaRPr lang="es-AR"/>
           </a:p>
@@ -4755,19 +4088,12 @@
           <a:p>
             <a:fld id="{14D31B5F-CBBD-4E77-9701-40E35D75C5FE}" type="slidenum">
               <a:rPr lang="es-AR" smtClean="0"/>
-              <a:pPr/>
-              <a:t>‹Nº›</a:t>
             </a:fld>
             <a:endParaRPr lang="es-AR"/>
           </a:p>
         </p:txBody>
       </p:sp>
     </p:spTree>
-    <p:extLst>
-      <p:ext uri="{BB962C8B-B14F-4D97-AF65-F5344CB8AC3E}">
-        <p14:creationId xmlns:p14="http://schemas.microsoft.com/office/powerpoint/2010/main" val="2821105103"/>
-      </p:ext>
-    </p:extLst>
   </p:cSld>
   <p:clrMapOvr>
     <a:masterClrMapping/>
@@ -4833,7 +4159,7 @@
             <a:spLocks noGrp="1"/>
           </p:cNvSpPr>
           <p:nvPr>
-            <p:ph type="body" sz="half" idx="2"/>
+            <p:ph type="body" sz="half" idx="2" hasCustomPrompt="1"/>
           </p:nvPr>
         </p:nvSpPr>
         <p:spPr>
@@ -4890,6 +4216,7 @@
               <a:rPr lang="es-ES"/>
               <a:t>Haga clic para modificar los estilos de texto del patrón</a:t>
             </a:r>
+            <a:endParaRPr lang="es-ES"/>
           </a:p>
         </p:txBody>
       </p:sp>
@@ -4910,8 +4237,6 @@
           <a:p>
             <a:fld id="{688CFFE6-35ED-44EA-8B97-0818B3961DD0}" type="datetimeFigureOut">
               <a:rPr lang="es-AR" smtClean="0"/>
-              <a:pPr/>
-              <a:t>06/05/2019</a:t>
             </a:fld>
             <a:endParaRPr lang="es-AR"/>
           </a:p>
@@ -4953,19 +4278,12 @@
           <a:p>
             <a:fld id="{14D31B5F-CBBD-4E77-9701-40E35D75C5FE}" type="slidenum">
               <a:rPr lang="es-AR" smtClean="0"/>
-              <a:pPr/>
-              <a:t>‹Nº›</a:t>
             </a:fld>
             <a:endParaRPr lang="es-AR"/>
           </a:p>
         </p:txBody>
       </p:sp>
     </p:spTree>
-    <p:extLst>
-      <p:ext uri="{BB962C8B-B14F-4D97-AF65-F5344CB8AC3E}">
-        <p14:creationId xmlns:p14="http://schemas.microsoft.com/office/powerpoint/2010/main" val="1032109710"/>
-      </p:ext>
-    </p:extLst>
   </p:cSld>
   <p:clrMapOvr>
     <a:masterClrMapping/>
@@ -5031,7 +4349,7 @@
             <a:spLocks noGrp="1"/>
           </p:cNvSpPr>
           <p:nvPr>
-            <p:ph type="body" sz="half" idx="13"/>
+            <p:ph type="body" sz="half" idx="13" hasCustomPrompt="1"/>
           </p:nvPr>
         </p:nvSpPr>
         <p:spPr>
@@ -5088,6 +4406,7 @@
               <a:rPr lang="es-ES"/>
               <a:t>Haga clic para modificar los estilos de texto del patrón</a:t>
             </a:r>
+            <a:endParaRPr lang="es-ES"/>
           </a:p>
         </p:txBody>
       </p:sp>
@@ -5098,7 +4417,7 @@
             <a:spLocks noGrp="1"/>
           </p:cNvSpPr>
           <p:nvPr>
-            <p:ph type="body" sz="half" idx="2"/>
+            <p:ph type="body" sz="half" idx="2" hasCustomPrompt="1"/>
           </p:nvPr>
         </p:nvSpPr>
         <p:spPr>
@@ -5155,6 +4474,7 @@
               <a:rPr lang="es-ES"/>
               <a:t>Haga clic para modificar los estilos de texto del patrón</a:t>
             </a:r>
+            <a:endParaRPr lang="es-ES"/>
           </a:p>
         </p:txBody>
       </p:sp>
@@ -5175,8 +4495,6 @@
           <a:p>
             <a:fld id="{688CFFE6-35ED-44EA-8B97-0818B3961DD0}" type="datetimeFigureOut">
               <a:rPr lang="es-AR" smtClean="0"/>
-              <a:pPr/>
-              <a:t>06/05/2019</a:t>
             </a:fld>
             <a:endParaRPr lang="es-AR"/>
           </a:p>
@@ -5218,8 +4536,6 @@
           <a:p>
             <a:fld id="{14D31B5F-CBBD-4E77-9701-40E35D75C5FE}" type="slidenum">
               <a:rPr lang="es-AR" smtClean="0"/>
-              <a:pPr/>
-              <a:t>‹Nº›</a:t>
             </a:fld>
             <a:endParaRPr lang="es-AR"/>
           </a:p>
@@ -5270,7 +4586,7 @@
                 </a:effectLst>
                 <a:latin typeface="+mj-lt"/>
                 <a:ea typeface="+mj-ea"/>
-                <a:cs typeface="Trebuchet MS"/>
+                <a:cs typeface="Trebuchet MS" panose="020B0603020202020204"/>
               </a:defRPr>
             </a:lvl1pPr>
             <a:lvl2pPr>
@@ -5341,6 +4657,12 @@
               </a:rPr>
               <a:t>“</a:t>
             </a:r>
+            <a:endParaRPr lang="en-US" sz="8000" dirty="0">
+              <a:solidFill>
+                <a:schemeClr val="tx1"/>
+              </a:solidFill>
+              <a:effectLst/>
+            </a:endParaRPr>
           </a:p>
         </p:txBody>
       </p:sp>
@@ -5389,7 +4711,7 @@
                 </a:effectLst>
                 <a:latin typeface="+mj-lt"/>
                 <a:ea typeface="+mj-ea"/>
-                <a:cs typeface="Trebuchet MS"/>
+                <a:cs typeface="Trebuchet MS" panose="020B0603020202020204"/>
               </a:defRPr>
             </a:lvl1pPr>
             <a:lvl2pPr>
@@ -5460,15 +4782,16 @@
               </a:rPr>
               <a:t>”</a:t>
             </a:r>
+            <a:endParaRPr lang="en-US" sz="8000" dirty="0">
+              <a:solidFill>
+                <a:schemeClr val="tx1"/>
+              </a:solidFill>
+              <a:effectLst/>
+            </a:endParaRPr>
           </a:p>
         </p:txBody>
       </p:sp>
     </p:spTree>
-    <p:extLst>
-      <p:ext uri="{BB962C8B-B14F-4D97-AF65-F5344CB8AC3E}">
-        <p14:creationId xmlns:p14="http://schemas.microsoft.com/office/powerpoint/2010/main" val="4061947895"/>
-      </p:ext>
-    </p:extLst>
   </p:cSld>
   <p:clrMapOvr>
     <a:masterClrMapping/>
@@ -5534,7 +4857,7 @@
             <a:spLocks noGrp="1"/>
           </p:cNvSpPr>
           <p:nvPr>
-            <p:ph type="body" sz="half" idx="2"/>
+            <p:ph type="body" sz="half" idx="2" hasCustomPrompt="1"/>
           </p:nvPr>
         </p:nvSpPr>
         <p:spPr>
@@ -5591,6 +4914,7 @@
               <a:rPr lang="es-ES"/>
               <a:t>Haga clic para modificar los estilos de texto del patrón</a:t>
             </a:r>
+            <a:endParaRPr lang="es-ES"/>
           </a:p>
         </p:txBody>
       </p:sp>
@@ -5611,8 +4935,6 @@
           <a:p>
             <a:fld id="{688CFFE6-35ED-44EA-8B97-0818B3961DD0}" type="datetimeFigureOut">
               <a:rPr lang="es-AR" smtClean="0"/>
-              <a:pPr/>
-              <a:t>06/05/2019</a:t>
             </a:fld>
             <a:endParaRPr lang="es-AR"/>
           </a:p>
@@ -5654,19 +4976,12 @@
           <a:p>
             <a:fld id="{14D31B5F-CBBD-4E77-9701-40E35D75C5FE}" type="slidenum">
               <a:rPr lang="es-AR" smtClean="0"/>
-              <a:pPr/>
-              <a:t>‹Nº›</a:t>
             </a:fld>
             <a:endParaRPr lang="es-AR"/>
           </a:p>
         </p:txBody>
       </p:sp>
     </p:spTree>
-    <p:extLst>
-      <p:ext uri="{BB962C8B-B14F-4D97-AF65-F5344CB8AC3E}">
-        <p14:creationId xmlns:p14="http://schemas.microsoft.com/office/powerpoint/2010/main" val="3408090398"/>
-      </p:ext>
-    </p:extLst>
   </p:cSld>
   <p:clrMapOvr>
     <a:masterClrMapping/>
@@ -5726,7 +5041,7 @@
             <a:spLocks noGrp="1"/>
           </p:cNvSpPr>
           <p:nvPr>
-            <p:ph type="body" idx="1"/>
+            <p:ph type="body" idx="1" hasCustomPrompt="1"/>
           </p:nvPr>
         </p:nvSpPr>
         <p:spPr>
@@ -5790,6 +5105,7 @@
               <a:rPr lang="es-ES"/>
               <a:t>Haga clic para modificar los estilos de texto del patrón</a:t>
             </a:r>
+            <a:endParaRPr lang="es-ES"/>
           </a:p>
         </p:txBody>
       </p:sp>
@@ -5800,7 +5116,7 @@
             <a:spLocks noGrp="1"/>
           </p:cNvSpPr>
           <p:nvPr>
-            <p:ph type="body" sz="half" idx="15"/>
+            <p:ph type="body" sz="half" idx="15" hasCustomPrompt="1"/>
           </p:nvPr>
         </p:nvSpPr>
         <p:spPr>
@@ -5857,6 +5173,7 @@
               <a:rPr lang="es-ES"/>
               <a:t>Haga clic para modificar los estilos de texto del patrón</a:t>
             </a:r>
+            <a:endParaRPr lang="es-ES"/>
           </a:p>
         </p:txBody>
       </p:sp>
@@ -5867,7 +5184,7 @@
             <a:spLocks noGrp="1"/>
           </p:cNvSpPr>
           <p:nvPr>
-            <p:ph type="body" sz="quarter" idx="3"/>
+            <p:ph type="body" sz="quarter" idx="3" hasCustomPrompt="1"/>
           </p:nvPr>
         </p:nvSpPr>
         <p:spPr>
@@ -5931,6 +5248,7 @@
               <a:rPr lang="es-ES"/>
               <a:t>Haga clic para modificar los estilos de texto del patrón</a:t>
             </a:r>
+            <a:endParaRPr lang="es-ES"/>
           </a:p>
         </p:txBody>
       </p:sp>
@@ -5941,7 +5259,7 @@
             <a:spLocks noGrp="1"/>
           </p:cNvSpPr>
           <p:nvPr>
-            <p:ph type="body" sz="half" idx="16"/>
+            <p:ph type="body" sz="half" idx="16" hasCustomPrompt="1"/>
           </p:nvPr>
         </p:nvSpPr>
         <p:spPr>
@@ -5998,6 +5316,7 @@
               <a:rPr lang="es-ES"/>
               <a:t>Haga clic para modificar los estilos de texto del patrón</a:t>
             </a:r>
+            <a:endParaRPr lang="es-ES"/>
           </a:p>
         </p:txBody>
       </p:sp>
@@ -6008,7 +5327,7 @@
             <a:spLocks noGrp="1"/>
           </p:cNvSpPr>
           <p:nvPr>
-            <p:ph type="body" sz="quarter" idx="13"/>
+            <p:ph type="body" sz="quarter" idx="13" hasCustomPrompt="1"/>
           </p:nvPr>
         </p:nvSpPr>
         <p:spPr>
@@ -6072,6 +5391,7 @@
               <a:rPr lang="es-ES"/>
               <a:t>Haga clic para modificar los estilos de texto del patrón</a:t>
             </a:r>
+            <a:endParaRPr lang="es-ES"/>
           </a:p>
         </p:txBody>
       </p:sp>
@@ -6082,7 +5402,7 @@
             <a:spLocks noGrp="1"/>
           </p:cNvSpPr>
           <p:nvPr>
-            <p:ph type="body" sz="half" idx="17"/>
+            <p:ph type="body" sz="half" idx="17" hasCustomPrompt="1"/>
           </p:nvPr>
         </p:nvSpPr>
         <p:spPr>
@@ -6139,6 +5459,7 @@
               <a:rPr lang="es-ES"/>
               <a:t>Haga clic para modificar los estilos de texto del patrón</a:t>
             </a:r>
+            <a:endParaRPr lang="es-ES"/>
           </a:p>
         </p:txBody>
       </p:sp>
@@ -6159,8 +5480,6 @@
           <a:p>
             <a:fld id="{688CFFE6-35ED-44EA-8B97-0818B3961DD0}" type="datetimeFigureOut">
               <a:rPr lang="es-AR" smtClean="0"/>
-              <a:pPr/>
-              <a:t>06/05/2019</a:t>
             </a:fld>
             <a:endParaRPr lang="es-AR"/>
           </a:p>
@@ -6202,19 +5521,12 @@
           <a:p>
             <a:fld id="{14D31B5F-CBBD-4E77-9701-40E35D75C5FE}" type="slidenum">
               <a:rPr lang="es-AR" smtClean="0"/>
-              <a:pPr/>
-              <a:t>‹Nº›</a:t>
             </a:fld>
             <a:endParaRPr lang="es-AR"/>
           </a:p>
         </p:txBody>
       </p:sp>
     </p:spTree>
-    <p:extLst>
-      <p:ext uri="{BB962C8B-B14F-4D97-AF65-F5344CB8AC3E}">
-        <p14:creationId xmlns:p14="http://schemas.microsoft.com/office/powerpoint/2010/main" val="1656651084"/>
-      </p:ext>
-    </p:extLst>
   </p:cSld>
   <p:clrMapOvr>
     <a:masterClrMapping/>
@@ -6274,7 +5586,7 @@
             <a:spLocks noGrp="1"/>
           </p:cNvSpPr>
           <p:nvPr>
-            <p:ph type="body" idx="1"/>
+            <p:ph type="body" idx="1" hasCustomPrompt="1"/>
           </p:nvPr>
         </p:nvSpPr>
         <p:spPr>
@@ -6338,6 +5650,7 @@
               <a:rPr lang="es-ES"/>
               <a:t>Haga clic para modificar los estilos de texto del patrón</a:t>
             </a:r>
+            <a:endParaRPr lang="es-ES"/>
           </a:p>
         </p:txBody>
       </p:sp>
@@ -6406,7 +5719,7 @@
             <a:spLocks noGrp="1"/>
           </p:cNvSpPr>
           <p:nvPr>
-            <p:ph type="body" sz="half" idx="18"/>
+            <p:ph type="body" sz="half" idx="18" hasCustomPrompt="1"/>
           </p:nvPr>
         </p:nvSpPr>
         <p:spPr>
@@ -6463,6 +5776,7 @@
               <a:rPr lang="es-ES"/>
               <a:t>Haga clic para modificar los estilos de texto del patrón</a:t>
             </a:r>
+            <a:endParaRPr lang="es-ES"/>
           </a:p>
         </p:txBody>
       </p:sp>
@@ -6473,7 +5787,7 @@
             <a:spLocks noGrp="1"/>
           </p:cNvSpPr>
           <p:nvPr>
-            <p:ph type="body" sz="quarter" idx="3"/>
+            <p:ph type="body" sz="quarter" idx="3" hasCustomPrompt="1"/>
           </p:nvPr>
         </p:nvSpPr>
         <p:spPr>
@@ -6537,6 +5851,7 @@
               <a:rPr lang="es-ES"/>
               <a:t>Haga clic para modificar los estilos de texto del patrón</a:t>
             </a:r>
+            <a:endParaRPr lang="es-ES"/>
           </a:p>
         </p:txBody>
       </p:sp>
@@ -6605,7 +5920,7 @@
             <a:spLocks noGrp="1"/>
           </p:cNvSpPr>
           <p:nvPr>
-            <p:ph type="body" sz="half" idx="19"/>
+            <p:ph type="body" sz="half" idx="19" hasCustomPrompt="1"/>
           </p:nvPr>
         </p:nvSpPr>
         <p:spPr>
@@ -6662,6 +5977,7 @@
               <a:rPr lang="es-ES"/>
               <a:t>Haga clic para modificar los estilos de texto del patrón</a:t>
             </a:r>
+            <a:endParaRPr lang="es-ES"/>
           </a:p>
         </p:txBody>
       </p:sp>
@@ -6672,7 +5988,7 @@
             <a:spLocks noGrp="1"/>
           </p:cNvSpPr>
           <p:nvPr>
-            <p:ph type="body" sz="quarter" idx="13"/>
+            <p:ph type="body" sz="quarter" idx="13" hasCustomPrompt="1"/>
           </p:nvPr>
         </p:nvSpPr>
         <p:spPr>
@@ -6736,6 +6052,7 @@
               <a:rPr lang="es-ES"/>
               <a:t>Haga clic para modificar los estilos de texto del patrón</a:t>
             </a:r>
+            <a:endParaRPr lang="es-ES"/>
           </a:p>
         </p:txBody>
       </p:sp>
@@ -6804,7 +6121,7 @@
             <a:spLocks noGrp="1"/>
           </p:cNvSpPr>
           <p:nvPr>
-            <p:ph type="body" sz="half" idx="20"/>
+            <p:ph type="body" sz="half" idx="20" hasCustomPrompt="1"/>
           </p:nvPr>
         </p:nvSpPr>
         <p:spPr>
@@ -6861,6 +6178,7 @@
               <a:rPr lang="es-ES"/>
               <a:t>Haga clic para modificar los estilos de texto del patrón</a:t>
             </a:r>
+            <a:endParaRPr lang="es-ES"/>
           </a:p>
         </p:txBody>
       </p:sp>
@@ -6881,8 +6199,6 @@
           <a:p>
             <a:fld id="{688CFFE6-35ED-44EA-8B97-0818B3961DD0}" type="datetimeFigureOut">
               <a:rPr lang="es-AR" smtClean="0"/>
-              <a:pPr/>
-              <a:t>06/05/2019</a:t>
             </a:fld>
             <a:endParaRPr lang="es-AR"/>
           </a:p>
@@ -6924,19 +6240,12 @@
           <a:p>
             <a:fld id="{14D31B5F-CBBD-4E77-9701-40E35D75C5FE}" type="slidenum">
               <a:rPr lang="es-AR" smtClean="0"/>
-              <a:pPr/>
-              <a:t>‹Nº›</a:t>
             </a:fld>
             <a:endParaRPr lang="es-AR"/>
           </a:p>
         </p:txBody>
       </p:sp>
     </p:spTree>
-    <p:extLst>
-      <p:ext uri="{BB962C8B-B14F-4D97-AF65-F5344CB8AC3E}">
-        <p14:creationId xmlns:p14="http://schemas.microsoft.com/office/powerpoint/2010/main" val="2255259381"/>
-      </p:ext>
-    </p:extLst>
   </p:cSld>
   <p:clrMapOvr>
     <a:masterClrMapping/>
@@ -6991,7 +6300,7 @@
             <a:spLocks noGrp="1"/>
           </p:cNvSpPr>
           <p:nvPr>
-            <p:ph type="body" orient="vert" idx="1"/>
+            <p:ph type="body" orient="vert" idx="1" hasCustomPrompt="1"/>
           </p:nvPr>
         </p:nvSpPr>
         <p:spPr/>
@@ -7004,6 +6313,7 @@
               <a:rPr lang="es-ES"/>
               <a:t>Haga clic para modificar los estilos de texto del patrón</a:t>
             </a:r>
+            <a:endParaRPr lang="es-ES"/>
           </a:p>
           <a:p>
             <a:pPr lvl="1"/>
@@ -7011,6 +6321,7 @@
               <a:rPr lang="es-ES"/>
               <a:t>Segundo nivel</a:t>
             </a:r>
+            <a:endParaRPr lang="es-ES"/>
           </a:p>
           <a:p>
             <a:pPr lvl="2"/>
@@ -7018,6 +6329,7 @@
               <a:rPr lang="es-ES"/>
               <a:t>Tercer nivel</a:t>
             </a:r>
+            <a:endParaRPr lang="es-ES"/>
           </a:p>
           <a:p>
             <a:pPr lvl="3"/>
@@ -7025,6 +6337,7 @@
               <a:rPr lang="es-ES"/>
               <a:t>Cuarto nivel</a:t>
             </a:r>
+            <a:endParaRPr lang="es-ES"/>
           </a:p>
           <a:p>
             <a:pPr lvl="4"/>
@@ -7053,8 +6366,6 @@
           <a:p>
             <a:fld id="{688CFFE6-35ED-44EA-8B97-0818B3961DD0}" type="datetimeFigureOut">
               <a:rPr lang="es-AR" smtClean="0"/>
-              <a:pPr/>
-              <a:t>06/05/2019</a:t>
             </a:fld>
             <a:endParaRPr lang="es-AR"/>
           </a:p>
@@ -7096,19 +6407,12 @@
           <a:p>
             <a:fld id="{14D31B5F-CBBD-4E77-9701-40E35D75C5FE}" type="slidenum">
               <a:rPr lang="es-AR" smtClean="0"/>
-              <a:pPr/>
-              <a:t>‹Nº›</a:t>
             </a:fld>
             <a:endParaRPr lang="es-AR"/>
           </a:p>
         </p:txBody>
       </p:sp>
     </p:spTree>
-    <p:extLst>
-      <p:ext uri="{BB962C8B-B14F-4D97-AF65-F5344CB8AC3E}">
-        <p14:creationId xmlns:p14="http://schemas.microsoft.com/office/powerpoint/2010/main" val="407513552"/>
-      </p:ext>
-    </p:extLst>
   </p:cSld>
   <p:clrMapOvr>
     <a:masterClrMapping/>
@@ -7168,7 +6472,7 @@
             <a:spLocks noGrp="1"/>
           </p:cNvSpPr>
           <p:nvPr>
-            <p:ph type="body" orient="vert" idx="1"/>
+            <p:ph type="body" orient="vert" idx="1" hasCustomPrompt="1"/>
           </p:nvPr>
         </p:nvSpPr>
         <p:spPr>
@@ -7186,6 +6490,7 @@
               <a:rPr lang="es-ES"/>
               <a:t>Haga clic para modificar los estilos de texto del patrón</a:t>
             </a:r>
+            <a:endParaRPr lang="es-ES"/>
           </a:p>
           <a:p>
             <a:pPr lvl="1"/>
@@ -7193,6 +6498,7 @@
               <a:rPr lang="es-ES"/>
               <a:t>Segundo nivel</a:t>
             </a:r>
+            <a:endParaRPr lang="es-ES"/>
           </a:p>
           <a:p>
             <a:pPr lvl="2"/>
@@ -7200,6 +6506,7 @@
               <a:rPr lang="es-ES"/>
               <a:t>Tercer nivel</a:t>
             </a:r>
+            <a:endParaRPr lang="es-ES"/>
           </a:p>
           <a:p>
             <a:pPr lvl="3"/>
@@ -7207,6 +6514,7 @@
               <a:rPr lang="es-ES"/>
               <a:t>Cuarto nivel</a:t>
             </a:r>
+            <a:endParaRPr lang="es-ES"/>
           </a:p>
           <a:p>
             <a:pPr lvl="4"/>
@@ -7235,8 +6543,6 @@
           <a:p>
             <a:fld id="{688CFFE6-35ED-44EA-8B97-0818B3961DD0}" type="datetimeFigureOut">
               <a:rPr lang="es-AR" smtClean="0"/>
-              <a:pPr/>
-              <a:t>06/05/2019</a:t>
             </a:fld>
             <a:endParaRPr lang="es-AR"/>
           </a:p>
@@ -7278,19 +6584,12 @@
           <a:p>
             <a:fld id="{14D31B5F-CBBD-4E77-9701-40E35D75C5FE}" type="slidenum">
               <a:rPr lang="es-AR" smtClean="0"/>
-              <a:pPr/>
-              <a:t>‹Nº›</a:t>
             </a:fld>
             <a:endParaRPr lang="es-AR"/>
           </a:p>
         </p:txBody>
       </p:sp>
     </p:spTree>
-    <p:extLst>
-      <p:ext uri="{BB962C8B-B14F-4D97-AF65-F5344CB8AC3E}">
-        <p14:creationId xmlns:p14="http://schemas.microsoft.com/office/powerpoint/2010/main" val="390679460"/>
-      </p:ext>
-    </p:extLst>
   </p:cSld>
   <p:clrMapOvr>
     <a:masterClrMapping/>
@@ -7345,7 +6644,7 @@
             <a:spLocks noGrp="1"/>
           </p:cNvSpPr>
           <p:nvPr>
-            <p:ph idx="1"/>
+            <p:ph idx="1" hasCustomPrompt="1"/>
           </p:nvPr>
         </p:nvSpPr>
         <p:spPr/>
@@ -7358,6 +6657,7 @@
               <a:rPr lang="es-ES"/>
               <a:t>Haga clic para modificar los estilos de texto del patrón</a:t>
             </a:r>
+            <a:endParaRPr lang="es-ES"/>
           </a:p>
           <a:p>
             <a:pPr lvl="1"/>
@@ -7365,6 +6665,7 @@
               <a:rPr lang="es-ES"/>
               <a:t>Segundo nivel</a:t>
             </a:r>
+            <a:endParaRPr lang="es-ES"/>
           </a:p>
           <a:p>
             <a:pPr lvl="2"/>
@@ -7372,6 +6673,7 @@
               <a:rPr lang="es-ES"/>
               <a:t>Tercer nivel</a:t>
             </a:r>
+            <a:endParaRPr lang="es-ES"/>
           </a:p>
           <a:p>
             <a:pPr lvl="3"/>
@@ -7379,6 +6681,7 @@
               <a:rPr lang="es-ES"/>
               <a:t>Cuarto nivel</a:t>
             </a:r>
+            <a:endParaRPr lang="es-ES"/>
           </a:p>
           <a:p>
             <a:pPr lvl="4"/>
@@ -7407,8 +6710,6 @@
           <a:p>
             <a:fld id="{688CFFE6-35ED-44EA-8B97-0818B3961DD0}" type="datetimeFigureOut">
               <a:rPr lang="es-AR" smtClean="0"/>
-              <a:pPr/>
-              <a:t>06/05/2019</a:t>
             </a:fld>
             <a:endParaRPr lang="es-AR"/>
           </a:p>
@@ -7450,19 +6751,12 @@
           <a:p>
             <a:fld id="{14D31B5F-CBBD-4E77-9701-40E35D75C5FE}" type="slidenum">
               <a:rPr lang="es-AR" smtClean="0"/>
-              <a:pPr/>
-              <a:t>‹Nº›</a:t>
             </a:fld>
             <a:endParaRPr lang="es-AR"/>
           </a:p>
         </p:txBody>
       </p:sp>
     </p:spTree>
-    <p:extLst>
-      <p:ext uri="{BB962C8B-B14F-4D97-AF65-F5344CB8AC3E}">
-        <p14:creationId xmlns:p14="http://schemas.microsoft.com/office/powerpoint/2010/main" val="2555153786"/>
-      </p:ext>
-    </p:extLst>
   </p:cSld>
   <p:clrMapOvr>
     <a:masterClrMapping/>
@@ -7528,7 +6822,7 @@
             <a:spLocks noGrp="1"/>
           </p:cNvSpPr>
           <p:nvPr>
-            <p:ph type="body" idx="1"/>
+            <p:ph type="body" idx="1" hasCustomPrompt="1"/>
           </p:nvPr>
         </p:nvSpPr>
         <p:spPr>
@@ -7639,6 +6933,7 @@
               <a:rPr lang="es-ES"/>
               <a:t>Haga clic para modificar los estilos de texto del patrón</a:t>
             </a:r>
+            <a:endParaRPr lang="es-ES"/>
           </a:p>
         </p:txBody>
       </p:sp>
@@ -7659,8 +6954,6 @@
           <a:p>
             <a:fld id="{688CFFE6-35ED-44EA-8B97-0818B3961DD0}" type="datetimeFigureOut">
               <a:rPr lang="es-AR" smtClean="0"/>
-              <a:pPr/>
-              <a:t>06/05/2019</a:t>
             </a:fld>
             <a:endParaRPr lang="es-AR"/>
           </a:p>
@@ -7702,19 +6995,12 @@
           <a:p>
             <a:fld id="{14D31B5F-CBBD-4E77-9701-40E35D75C5FE}" type="slidenum">
               <a:rPr lang="es-AR" smtClean="0"/>
-              <a:pPr/>
-              <a:t>‹Nº›</a:t>
             </a:fld>
             <a:endParaRPr lang="es-AR"/>
           </a:p>
         </p:txBody>
       </p:sp>
     </p:spTree>
-    <p:extLst>
-      <p:ext uri="{BB962C8B-B14F-4D97-AF65-F5344CB8AC3E}">
-        <p14:creationId xmlns:p14="http://schemas.microsoft.com/office/powerpoint/2010/main" val="762633419"/>
-      </p:ext>
-    </p:extLst>
   </p:cSld>
   <p:clrMapOvr>
     <a:masterClrMapping/>
@@ -7769,7 +7055,7 @@
             <a:spLocks noGrp="1"/>
           </p:cNvSpPr>
           <p:nvPr>
-            <p:ph sz="half" idx="1"/>
+            <p:ph sz="half" idx="1" hasCustomPrompt="1"/>
           </p:nvPr>
         </p:nvSpPr>
         <p:spPr>
@@ -7787,6 +7073,7 @@
               <a:rPr lang="es-ES"/>
               <a:t>Haga clic para modificar los estilos de texto del patrón</a:t>
             </a:r>
+            <a:endParaRPr lang="es-ES"/>
           </a:p>
           <a:p>
             <a:pPr lvl="1"/>
@@ -7794,6 +7081,7 @@
               <a:rPr lang="es-ES"/>
               <a:t>Segundo nivel</a:t>
             </a:r>
+            <a:endParaRPr lang="es-ES"/>
           </a:p>
           <a:p>
             <a:pPr lvl="2"/>
@@ -7801,6 +7089,7 @@
               <a:rPr lang="es-ES"/>
               <a:t>Tercer nivel</a:t>
             </a:r>
+            <a:endParaRPr lang="es-ES"/>
           </a:p>
           <a:p>
             <a:pPr lvl="3"/>
@@ -7808,6 +7097,7 @@
               <a:rPr lang="es-ES"/>
               <a:t>Cuarto nivel</a:t>
             </a:r>
+            <a:endParaRPr lang="es-ES"/>
           </a:p>
           <a:p>
             <a:pPr lvl="4"/>
@@ -7826,7 +7116,7 @@
             <a:spLocks noGrp="1"/>
           </p:cNvSpPr>
           <p:nvPr>
-            <p:ph sz="half" idx="2"/>
+            <p:ph sz="half" idx="2" hasCustomPrompt="1"/>
           </p:nvPr>
         </p:nvSpPr>
         <p:spPr>
@@ -7844,6 +7134,7 @@
               <a:rPr lang="es-ES"/>
               <a:t>Haga clic para modificar los estilos de texto del patrón</a:t>
             </a:r>
+            <a:endParaRPr lang="es-ES"/>
           </a:p>
           <a:p>
             <a:pPr lvl="1"/>
@@ -7851,6 +7142,7 @@
               <a:rPr lang="es-ES"/>
               <a:t>Segundo nivel</a:t>
             </a:r>
+            <a:endParaRPr lang="es-ES"/>
           </a:p>
           <a:p>
             <a:pPr lvl="2"/>
@@ -7858,6 +7150,7 @@
               <a:rPr lang="es-ES"/>
               <a:t>Tercer nivel</a:t>
             </a:r>
+            <a:endParaRPr lang="es-ES"/>
           </a:p>
           <a:p>
             <a:pPr lvl="3"/>
@@ -7865,6 +7158,7 @@
               <a:rPr lang="es-ES"/>
               <a:t>Cuarto nivel</a:t>
             </a:r>
+            <a:endParaRPr lang="es-ES"/>
           </a:p>
           <a:p>
             <a:pPr lvl="4"/>
@@ -7893,8 +7187,6 @@
           <a:p>
             <a:fld id="{688CFFE6-35ED-44EA-8B97-0818B3961DD0}" type="datetimeFigureOut">
               <a:rPr lang="es-AR" smtClean="0"/>
-              <a:pPr/>
-              <a:t>06/05/2019</a:t>
             </a:fld>
             <a:endParaRPr lang="es-AR"/>
           </a:p>
@@ -7936,19 +7228,12 @@
           <a:p>
             <a:fld id="{14D31B5F-CBBD-4E77-9701-40E35D75C5FE}" type="slidenum">
               <a:rPr lang="es-AR" smtClean="0"/>
-              <a:pPr/>
-              <a:t>‹Nº›</a:t>
             </a:fld>
             <a:endParaRPr lang="es-AR"/>
           </a:p>
         </p:txBody>
       </p:sp>
     </p:spTree>
-    <p:extLst>
-      <p:ext uri="{BB962C8B-B14F-4D97-AF65-F5344CB8AC3E}">
-        <p14:creationId xmlns:p14="http://schemas.microsoft.com/office/powerpoint/2010/main" val="986466212"/>
-      </p:ext>
-    </p:extLst>
   </p:cSld>
   <p:clrMapOvr>
     <a:masterClrMapping/>
@@ -8008,7 +7293,7 @@
             <a:spLocks noGrp="1"/>
           </p:cNvSpPr>
           <p:nvPr>
-            <p:ph type="body" idx="1"/>
+            <p:ph type="body" idx="1" hasCustomPrompt="1"/>
           </p:nvPr>
         </p:nvSpPr>
         <p:spPr>
@@ -8070,6 +7355,7 @@
               <a:rPr lang="es-ES"/>
               <a:t>Haga clic para modificar los estilos de texto del patrón</a:t>
             </a:r>
+            <a:endParaRPr lang="es-ES"/>
           </a:p>
         </p:txBody>
       </p:sp>
@@ -8080,7 +7366,7 @@
             <a:spLocks noGrp="1"/>
           </p:cNvSpPr>
           <p:nvPr>
-            <p:ph sz="half" idx="2"/>
+            <p:ph sz="half" idx="2" hasCustomPrompt="1"/>
           </p:nvPr>
         </p:nvSpPr>
         <p:spPr>
@@ -8098,6 +7384,7 @@
               <a:rPr lang="es-ES"/>
               <a:t>Haga clic para modificar los estilos de texto del patrón</a:t>
             </a:r>
+            <a:endParaRPr lang="es-ES"/>
           </a:p>
           <a:p>
             <a:pPr lvl="1"/>
@@ -8105,6 +7392,7 @@
               <a:rPr lang="es-ES"/>
               <a:t>Segundo nivel</a:t>
             </a:r>
+            <a:endParaRPr lang="es-ES"/>
           </a:p>
           <a:p>
             <a:pPr lvl="2"/>
@@ -8112,6 +7400,7 @@
               <a:rPr lang="es-ES"/>
               <a:t>Tercer nivel</a:t>
             </a:r>
+            <a:endParaRPr lang="es-ES"/>
           </a:p>
           <a:p>
             <a:pPr lvl="3"/>
@@ -8119,6 +7408,7 @@
               <a:rPr lang="es-ES"/>
               <a:t>Cuarto nivel</a:t>
             </a:r>
+            <a:endParaRPr lang="es-ES"/>
           </a:p>
           <a:p>
             <a:pPr lvl="4"/>
@@ -8137,7 +7427,7 @@
             <a:spLocks noGrp="1"/>
           </p:cNvSpPr>
           <p:nvPr>
-            <p:ph type="body" sz="quarter" idx="3"/>
+            <p:ph type="body" sz="quarter" idx="3" hasCustomPrompt="1"/>
           </p:nvPr>
         </p:nvSpPr>
         <p:spPr>
@@ -8199,6 +7489,7 @@
               <a:rPr lang="es-ES"/>
               <a:t>Haga clic para modificar los estilos de texto del patrón</a:t>
             </a:r>
+            <a:endParaRPr lang="es-ES"/>
           </a:p>
         </p:txBody>
       </p:sp>
@@ -8209,7 +7500,7 @@
             <a:spLocks noGrp="1"/>
           </p:cNvSpPr>
           <p:nvPr>
-            <p:ph sz="quarter" idx="4"/>
+            <p:ph sz="quarter" idx="4" hasCustomPrompt="1"/>
           </p:nvPr>
         </p:nvSpPr>
         <p:spPr>
@@ -8227,6 +7518,7 @@
               <a:rPr lang="es-ES"/>
               <a:t>Haga clic para modificar los estilos de texto del patrón</a:t>
             </a:r>
+            <a:endParaRPr lang="es-ES"/>
           </a:p>
           <a:p>
             <a:pPr lvl="1"/>
@@ -8234,6 +7526,7 @@
               <a:rPr lang="es-ES"/>
               <a:t>Segundo nivel</a:t>
             </a:r>
+            <a:endParaRPr lang="es-ES"/>
           </a:p>
           <a:p>
             <a:pPr lvl="2"/>
@@ -8241,6 +7534,7 @@
               <a:rPr lang="es-ES"/>
               <a:t>Tercer nivel</a:t>
             </a:r>
+            <a:endParaRPr lang="es-ES"/>
           </a:p>
           <a:p>
             <a:pPr lvl="3"/>
@@ -8248,6 +7542,7 @@
               <a:rPr lang="es-ES"/>
               <a:t>Cuarto nivel</a:t>
             </a:r>
+            <a:endParaRPr lang="es-ES"/>
           </a:p>
           <a:p>
             <a:pPr lvl="4"/>
@@ -8276,8 +7571,6 @@
           <a:p>
             <a:fld id="{688CFFE6-35ED-44EA-8B97-0818B3961DD0}" type="datetimeFigureOut">
               <a:rPr lang="es-AR" smtClean="0"/>
-              <a:pPr/>
-              <a:t>06/05/2019</a:t>
             </a:fld>
             <a:endParaRPr lang="es-AR"/>
           </a:p>
@@ -8319,19 +7612,12 @@
           <a:p>
             <a:fld id="{14D31B5F-CBBD-4E77-9701-40E35D75C5FE}" type="slidenum">
               <a:rPr lang="es-AR" smtClean="0"/>
-              <a:pPr/>
-              <a:t>‹Nº›</a:t>
             </a:fld>
             <a:endParaRPr lang="es-AR"/>
           </a:p>
         </p:txBody>
       </p:sp>
     </p:spTree>
-    <p:extLst>
-      <p:ext uri="{BB962C8B-B14F-4D97-AF65-F5344CB8AC3E}">
-        <p14:creationId xmlns:p14="http://schemas.microsoft.com/office/powerpoint/2010/main" val="2645013564"/>
-      </p:ext>
-    </p:extLst>
   </p:cSld>
   <p:clrMapOvr>
     <a:masterClrMapping/>
@@ -8396,8 +7682,6 @@
           <a:p>
             <a:fld id="{688CFFE6-35ED-44EA-8B97-0818B3961DD0}" type="datetimeFigureOut">
               <a:rPr lang="es-AR" smtClean="0"/>
-              <a:pPr/>
-              <a:t>06/05/2019</a:t>
             </a:fld>
             <a:endParaRPr lang="es-AR"/>
           </a:p>
@@ -8439,19 +7723,12 @@
           <a:p>
             <a:fld id="{14D31B5F-CBBD-4E77-9701-40E35D75C5FE}" type="slidenum">
               <a:rPr lang="es-AR" smtClean="0"/>
-              <a:pPr/>
-              <a:t>‹Nº›</a:t>
             </a:fld>
             <a:endParaRPr lang="es-AR"/>
           </a:p>
         </p:txBody>
       </p:sp>
     </p:spTree>
-    <p:extLst>
-      <p:ext uri="{BB962C8B-B14F-4D97-AF65-F5344CB8AC3E}">
-        <p14:creationId xmlns:p14="http://schemas.microsoft.com/office/powerpoint/2010/main" val="1669232657"/>
-      </p:ext>
-    </p:extLst>
   </p:cSld>
   <p:clrMapOvr>
     <a:masterClrMapping/>
@@ -8493,8 +7770,6 @@
           <a:p>
             <a:fld id="{688CFFE6-35ED-44EA-8B97-0818B3961DD0}" type="datetimeFigureOut">
               <a:rPr lang="es-AR" smtClean="0"/>
-              <a:pPr/>
-              <a:t>06/05/2019</a:t>
             </a:fld>
             <a:endParaRPr lang="es-AR"/>
           </a:p>
@@ -8536,19 +7811,12 @@
           <a:p>
             <a:fld id="{14D31B5F-CBBD-4E77-9701-40E35D75C5FE}" type="slidenum">
               <a:rPr lang="es-AR" smtClean="0"/>
-              <a:pPr/>
-              <a:t>‹Nº›</a:t>
             </a:fld>
             <a:endParaRPr lang="es-AR"/>
           </a:p>
         </p:txBody>
       </p:sp>
     </p:spTree>
-    <p:extLst>
-      <p:ext uri="{BB962C8B-B14F-4D97-AF65-F5344CB8AC3E}">
-        <p14:creationId xmlns:p14="http://schemas.microsoft.com/office/powerpoint/2010/main" val="2266750076"/>
-      </p:ext>
-    </p:extLst>
   </p:cSld>
   <p:clrMapOvr>
     <a:masterClrMapping/>
@@ -8612,7 +7880,7 @@
             <a:spLocks noGrp="1"/>
           </p:cNvSpPr>
           <p:nvPr>
-            <p:ph idx="1"/>
+            <p:ph idx="1" hasCustomPrompt="1"/>
           </p:nvPr>
         </p:nvSpPr>
         <p:spPr>
@@ -8630,6 +7898,7 @@
               <a:rPr lang="es-ES"/>
               <a:t>Haga clic para modificar los estilos de texto del patrón</a:t>
             </a:r>
+            <a:endParaRPr lang="es-ES"/>
           </a:p>
           <a:p>
             <a:pPr lvl="1"/>
@@ -8637,6 +7906,7 @@
               <a:rPr lang="es-ES"/>
               <a:t>Segundo nivel</a:t>
             </a:r>
+            <a:endParaRPr lang="es-ES"/>
           </a:p>
           <a:p>
             <a:pPr lvl="2"/>
@@ -8644,6 +7914,7 @@
               <a:rPr lang="es-ES"/>
               <a:t>Tercer nivel</a:t>
             </a:r>
+            <a:endParaRPr lang="es-ES"/>
           </a:p>
           <a:p>
             <a:pPr lvl="3"/>
@@ -8651,6 +7922,7 @@
               <a:rPr lang="es-ES"/>
               <a:t>Cuarto nivel</a:t>
             </a:r>
+            <a:endParaRPr lang="es-ES"/>
           </a:p>
           <a:p>
             <a:pPr lvl="4"/>
@@ -8669,7 +7941,7 @@
             <a:spLocks noGrp="1"/>
           </p:cNvSpPr>
           <p:nvPr>
-            <p:ph type="body" sz="half" idx="2"/>
+            <p:ph type="body" sz="half" idx="2" hasCustomPrompt="1"/>
           </p:nvPr>
         </p:nvSpPr>
         <p:spPr>
@@ -8724,6 +7996,7 @@
               <a:rPr lang="es-ES"/>
               <a:t>Haga clic para modificar los estilos de texto del patrón</a:t>
             </a:r>
+            <a:endParaRPr lang="es-ES"/>
           </a:p>
         </p:txBody>
       </p:sp>
@@ -8744,8 +8017,6 @@
           <a:p>
             <a:fld id="{688CFFE6-35ED-44EA-8B97-0818B3961DD0}" type="datetimeFigureOut">
               <a:rPr lang="es-AR" smtClean="0"/>
-              <a:pPr/>
-              <a:t>06/05/2019</a:t>
             </a:fld>
             <a:endParaRPr lang="es-AR"/>
           </a:p>
@@ -8787,19 +8058,12 @@
           <a:p>
             <a:fld id="{14D31B5F-CBBD-4E77-9701-40E35D75C5FE}" type="slidenum">
               <a:rPr lang="es-AR" smtClean="0"/>
-              <a:pPr/>
-              <a:t>‹Nº›</a:t>
             </a:fld>
             <a:endParaRPr lang="es-AR"/>
           </a:p>
         </p:txBody>
       </p:sp>
     </p:spTree>
-    <p:extLst>
-      <p:ext uri="{BB962C8B-B14F-4D97-AF65-F5344CB8AC3E}">
-        <p14:creationId xmlns:p14="http://schemas.microsoft.com/office/powerpoint/2010/main" val="544338298"/>
-      </p:ext>
-    </p:extLst>
   </p:cSld>
   <p:clrMapOvr>
     <a:masterClrMapping/>
@@ -8951,7 +8215,7 @@
             <a:spLocks noGrp="1"/>
           </p:cNvSpPr>
           <p:nvPr>
-            <p:ph type="body" sz="half" idx="2"/>
+            <p:ph type="body" sz="half" idx="2" hasCustomPrompt="1"/>
           </p:nvPr>
         </p:nvSpPr>
         <p:spPr>
@@ -9006,6 +8270,7 @@
               <a:rPr lang="es-ES"/>
               <a:t>Haga clic para modificar los estilos de texto del patrón</a:t>
             </a:r>
+            <a:endParaRPr lang="es-ES"/>
           </a:p>
         </p:txBody>
       </p:sp>
@@ -9026,8 +8291,6 @@
           <a:p>
             <a:fld id="{688CFFE6-35ED-44EA-8B97-0818B3961DD0}" type="datetimeFigureOut">
               <a:rPr lang="es-AR" smtClean="0"/>
-              <a:pPr/>
-              <a:t>06/05/2019</a:t>
             </a:fld>
             <a:endParaRPr lang="es-AR"/>
           </a:p>
@@ -9069,19 +8332,12 @@
           <a:p>
             <a:fld id="{14D31B5F-CBBD-4E77-9701-40E35D75C5FE}" type="slidenum">
               <a:rPr lang="es-AR" smtClean="0"/>
-              <a:pPr/>
-              <a:t>‹Nº›</a:t>
             </a:fld>
             <a:endParaRPr lang="es-AR"/>
           </a:p>
         </p:txBody>
       </p:sp>
     </p:spTree>
-    <p:extLst>
-      <p:ext uri="{BB962C8B-B14F-4D97-AF65-F5344CB8AC3E}">
-        <p14:creationId xmlns:p14="http://schemas.microsoft.com/office/powerpoint/2010/main" val="941215932"/>
-      </p:ext>
-    </p:extLst>
   </p:cSld>
   <p:clrMapOvr>
     <a:masterClrMapping/>
@@ -9120,7 +8376,7 @@
           <p:nvPr/>
         </p:nvPicPr>
         <p:blipFill>
-          <a:blip r:embed="rId19">
+          <a:blip r:embed="rId18">
             <a:alphaModFix amt="30000"/>
             <a:duotone>
               <a:prstClr val="black"/>
@@ -9149,15 +8405,6 @@
             <a:avLst/>
           </a:prstGeom>
           <a:noFill/>
-          <a:extLst>
-            <a:ext uri="{909E8E84-426E-40dd-AFC4-6F175D3DCCD1}">
-              <a14:hiddenFill xmlns:a14="http://schemas.microsoft.com/office/drawing/2010/main" xmlns="">
-                <a:solidFill>
-                  <a:srgbClr val="FFFFFF"/>
-                </a:solidFill>
-              </a14:hiddenFill>
-            </a:ext>
-          </a:extLst>
         </p:spPr>
       </p:pic>
       <p:grpSp>
@@ -9223,18 +8470,6 @@
               <a:ln>
                 <a:noFill/>
               </a:ln>
-              <a:extLst>
-                <a:ext uri="{91240B29-F687-4f45-9708-019B960494DF}">
-                  <a14:hiddenLine xmlns:a14="http://schemas.microsoft.com/office/drawing/2010/main" xmlns="" w="9525">
-                    <a:solidFill>
-                      <a:srgbClr val="000000"/>
-                    </a:solidFill>
-                    <a:miter lim="800000"/>
-                    <a:headEnd/>
-                    <a:tailEnd/>
-                  </a14:hiddenLine>
-                </a:ext>
-              </a:extLst>
             </p:spPr>
           </p:sp>
           <p:sp>
@@ -9313,18 +8548,6 @@
               <a:ln>
                 <a:noFill/>
               </a:ln>
-              <a:extLst>
-                <a:ext uri="{91240B29-F687-4f45-9708-019B960494DF}">
-                  <a14:hiddenLine xmlns:a14="http://schemas.microsoft.com/office/drawing/2010/main" xmlns="" w="9525">
-                    <a:solidFill>
-                      <a:srgbClr val="000000"/>
-                    </a:solidFill>
-                    <a:round/>
-                    <a:headEnd/>
-                    <a:tailEnd/>
-                  </a14:hiddenLine>
-                </a:ext>
-              </a:extLst>
             </p:spPr>
           </p:sp>
           <p:sp>
@@ -9403,18 +8626,6 @@
               <a:ln>
                 <a:noFill/>
               </a:ln>
-              <a:extLst>
-                <a:ext uri="{91240B29-F687-4f45-9708-019B960494DF}">
-                  <a14:hiddenLine xmlns:a14="http://schemas.microsoft.com/office/drawing/2010/main" xmlns="" w="9525">
-                    <a:solidFill>
-                      <a:srgbClr val="000000"/>
-                    </a:solidFill>
-                    <a:round/>
-                    <a:headEnd/>
-                    <a:tailEnd/>
-                  </a14:hiddenLine>
-                </a:ext>
-              </a:extLst>
             </p:spPr>
           </p:sp>
           <p:sp>
@@ -9465,18 +8676,6 @@
               <a:ln>
                 <a:noFill/>
               </a:ln>
-              <a:extLst>
-                <a:ext uri="{91240B29-F687-4f45-9708-019B960494DF}">
-                  <a14:hiddenLine xmlns:a14="http://schemas.microsoft.com/office/drawing/2010/main" xmlns="" w="9525">
-                    <a:solidFill>
-                      <a:srgbClr val="000000"/>
-                    </a:solidFill>
-                    <a:round/>
-                    <a:headEnd/>
-                    <a:tailEnd/>
-                  </a14:hiddenLine>
-                </a:ext>
-              </a:extLst>
             </p:spPr>
           </p:sp>
           <p:sp>
@@ -9555,18 +8754,6 @@
               <a:ln>
                 <a:noFill/>
               </a:ln>
-              <a:extLst>
-                <a:ext uri="{91240B29-F687-4f45-9708-019B960494DF}">
-                  <a14:hiddenLine xmlns:a14="http://schemas.microsoft.com/office/drawing/2010/main" xmlns="" w="9525">
-                    <a:solidFill>
-                      <a:srgbClr val="000000"/>
-                    </a:solidFill>
-                    <a:round/>
-                    <a:headEnd/>
-                    <a:tailEnd/>
-                  </a14:hiddenLine>
-                </a:ext>
-              </a:extLst>
             </p:spPr>
           </p:sp>
           <p:sp>
@@ -9617,18 +8804,6 @@
               <a:ln>
                 <a:noFill/>
               </a:ln>
-              <a:extLst>
-                <a:ext uri="{91240B29-F687-4f45-9708-019B960494DF}">
-                  <a14:hiddenLine xmlns:a14="http://schemas.microsoft.com/office/drawing/2010/main" xmlns="" w="9525">
-                    <a:solidFill>
-                      <a:srgbClr val="000000"/>
-                    </a:solidFill>
-                    <a:round/>
-                    <a:headEnd/>
-                    <a:tailEnd/>
-                  </a14:hiddenLine>
-                </a:ext>
-              </a:extLst>
             </p:spPr>
           </p:sp>
           <p:sp>
@@ -9679,18 +8854,6 @@
               <a:ln>
                 <a:noFill/>
               </a:ln>
-              <a:extLst>
-                <a:ext uri="{91240B29-F687-4f45-9708-019B960494DF}">
-                  <a14:hiddenLine xmlns:a14="http://schemas.microsoft.com/office/drawing/2010/main" xmlns="" w="9525">
-                    <a:solidFill>
-                      <a:srgbClr val="000000"/>
-                    </a:solidFill>
-                    <a:round/>
-                    <a:headEnd/>
-                    <a:tailEnd/>
-                  </a14:hiddenLine>
-                </a:ext>
-              </a:extLst>
             </p:spPr>
           </p:sp>
           <p:sp>
@@ -9769,18 +8932,6 @@
               <a:ln>
                 <a:noFill/>
               </a:ln>
-              <a:extLst>
-                <a:ext uri="{91240B29-F687-4f45-9708-019B960494DF}">
-                  <a14:hiddenLine xmlns:a14="http://schemas.microsoft.com/office/drawing/2010/main" xmlns="" w="9525">
-                    <a:solidFill>
-                      <a:srgbClr val="000000"/>
-                    </a:solidFill>
-                    <a:round/>
-                    <a:headEnd/>
-                    <a:tailEnd/>
-                  </a14:hiddenLine>
-                </a:ext>
-              </a:extLst>
             </p:spPr>
           </p:sp>
           <p:sp>
@@ -9859,18 +9010,6 @@
               <a:ln>
                 <a:noFill/>
               </a:ln>
-              <a:extLst>
-                <a:ext uri="{91240B29-F687-4f45-9708-019B960494DF}">
-                  <a14:hiddenLine xmlns:a14="http://schemas.microsoft.com/office/drawing/2010/main" xmlns="" w="9525">
-                    <a:solidFill>
-                      <a:srgbClr val="000000"/>
-                    </a:solidFill>
-                    <a:round/>
-                    <a:headEnd/>
-                    <a:tailEnd/>
-                  </a14:hiddenLine>
-                </a:ext>
-              </a:extLst>
             </p:spPr>
           </p:sp>
           <p:sp>
@@ -9921,18 +9060,6 @@
               <a:ln>
                 <a:noFill/>
               </a:ln>
-              <a:extLst>
-                <a:ext uri="{91240B29-F687-4f45-9708-019B960494DF}">
-                  <a14:hiddenLine xmlns:a14="http://schemas.microsoft.com/office/drawing/2010/main" xmlns="" w="9525">
-                    <a:solidFill>
-                      <a:srgbClr val="000000"/>
-                    </a:solidFill>
-                    <a:round/>
-                    <a:headEnd/>
-                    <a:tailEnd/>
-                  </a14:hiddenLine>
-                </a:ext>
-              </a:extLst>
             </p:spPr>
           </p:sp>
           <p:sp>
@@ -10031,18 +9158,6 @@
               <a:ln>
                 <a:noFill/>
               </a:ln>
-              <a:extLst>
-                <a:ext uri="{91240B29-F687-4f45-9708-019B960494DF}">
-                  <a14:hiddenLine xmlns:a14="http://schemas.microsoft.com/office/drawing/2010/main" xmlns="" w="9525">
-                    <a:solidFill>
-                      <a:srgbClr val="000000"/>
-                    </a:solidFill>
-                    <a:round/>
-                    <a:headEnd/>
-                    <a:tailEnd/>
-                  </a14:hiddenLine>
-                </a:ext>
-              </a:extLst>
             </p:spPr>
           </p:sp>
           <p:sp>
@@ -10068,8 +9183,6 @@
                 </a:solidFill>
                 <a:prstDash val="solid"/>
                 <a:miter lim="800000"/>
-                <a:headEnd/>
-                <a:tailEnd/>
               </a:ln>
             </p:spPr>
           </p:sp>
@@ -10115,18 +9228,6 @@
               <a:ln>
                 <a:noFill/>
               </a:ln>
-              <a:extLst>
-                <a:ext uri="{91240B29-F687-4f45-9708-019B960494DF}">
-                  <a14:hiddenLine xmlns:a14="http://schemas.microsoft.com/office/drawing/2010/main" xmlns="" w="9525">
-                    <a:solidFill>
-                      <a:srgbClr val="000000"/>
-                    </a:solidFill>
-                    <a:round/>
-                    <a:headEnd/>
-                    <a:tailEnd/>
-                  </a14:hiddenLine>
-                </a:ext>
-              </a:extLst>
             </p:spPr>
           </p:sp>
           <p:sp>
@@ -10177,18 +9278,6 @@
               <a:ln>
                 <a:noFill/>
               </a:ln>
-              <a:extLst>
-                <a:ext uri="{91240B29-F687-4f45-9708-019B960494DF}">
-                  <a14:hiddenLine xmlns:a14="http://schemas.microsoft.com/office/drawing/2010/main" xmlns="" w="9525">
-                    <a:solidFill>
-                      <a:srgbClr val="000000"/>
-                    </a:solidFill>
-                    <a:round/>
-                    <a:headEnd/>
-                    <a:tailEnd/>
-                  </a14:hiddenLine>
-                </a:ext>
-              </a:extLst>
             </p:spPr>
           </p:sp>
           <p:sp>
@@ -10239,18 +9328,6 @@
               <a:ln>
                 <a:noFill/>
               </a:ln>
-              <a:extLst>
-                <a:ext uri="{91240B29-F687-4f45-9708-019B960494DF}">
-                  <a14:hiddenLine xmlns:a14="http://schemas.microsoft.com/office/drawing/2010/main" xmlns="" w="9525">
-                    <a:solidFill>
-                      <a:srgbClr val="000000"/>
-                    </a:solidFill>
-                    <a:round/>
-                    <a:headEnd/>
-                    <a:tailEnd/>
-                  </a14:hiddenLine>
-                </a:ext>
-              </a:extLst>
             </p:spPr>
           </p:sp>
           <p:sp>
@@ -10329,18 +9406,6 @@
               <a:ln>
                 <a:noFill/>
               </a:ln>
-              <a:extLst>
-                <a:ext uri="{91240B29-F687-4f45-9708-019B960494DF}">
-                  <a14:hiddenLine xmlns:a14="http://schemas.microsoft.com/office/drawing/2010/main" xmlns="" w="9525">
-                    <a:solidFill>
-                      <a:srgbClr val="000000"/>
-                    </a:solidFill>
-                    <a:round/>
-                    <a:headEnd/>
-                    <a:tailEnd/>
-                  </a14:hiddenLine>
-                </a:ext>
-              </a:extLst>
             </p:spPr>
           </p:sp>
           <p:sp>
@@ -10363,18 +9428,6 @@
               <a:ln>
                 <a:noFill/>
               </a:ln>
-              <a:extLst>
-                <a:ext uri="{91240B29-F687-4f45-9708-019B960494DF}">
-                  <a14:hiddenLine xmlns:a14="http://schemas.microsoft.com/office/drawing/2010/main" xmlns="" w="9525">
-                    <a:solidFill>
-                      <a:srgbClr val="000000"/>
-                    </a:solidFill>
-                    <a:miter lim="800000"/>
-                    <a:headEnd/>
-                    <a:tailEnd/>
-                  </a14:hiddenLine>
-                </a:ext>
-              </a:extLst>
             </p:spPr>
           </p:sp>
           <p:sp>
@@ -10428,18 +9481,6 @@
               <a:ln>
                 <a:noFill/>
               </a:ln>
-              <a:extLst>
-                <a:ext uri="{91240B29-F687-4f45-9708-019B960494DF}">
-                  <a14:hiddenLine xmlns:a14="http://schemas.microsoft.com/office/drawing/2010/main" xmlns="" w="9525">
-                    <a:solidFill>
-                      <a:srgbClr val="000000"/>
-                    </a:solidFill>
-                    <a:round/>
-                    <a:headEnd/>
-                    <a:tailEnd/>
-                  </a14:hiddenLine>
-                </a:ext>
-              </a:extLst>
             </p:spPr>
           </p:sp>
           <p:sp>
@@ -10518,18 +9559,6 @@
               <a:ln>
                 <a:noFill/>
               </a:ln>
-              <a:extLst>
-                <a:ext uri="{91240B29-F687-4f45-9708-019B960494DF}">
-                  <a14:hiddenLine xmlns:a14="http://schemas.microsoft.com/office/drawing/2010/main" xmlns="" w="9525">
-                    <a:solidFill>
-                      <a:srgbClr val="000000"/>
-                    </a:solidFill>
-                    <a:round/>
-                    <a:headEnd/>
-                    <a:tailEnd/>
-                  </a14:hiddenLine>
-                </a:ext>
-              </a:extLst>
             </p:spPr>
           </p:sp>
           <p:sp>
@@ -10580,18 +9609,6 @@
               <a:ln>
                 <a:noFill/>
               </a:ln>
-              <a:extLst>
-                <a:ext uri="{91240B29-F687-4f45-9708-019B960494DF}">
-                  <a14:hiddenLine xmlns:a14="http://schemas.microsoft.com/office/drawing/2010/main" xmlns="" w="9525">
-                    <a:solidFill>
-                      <a:srgbClr val="000000"/>
-                    </a:solidFill>
-                    <a:round/>
-                    <a:headEnd/>
-                    <a:tailEnd/>
-                  </a14:hiddenLine>
-                </a:ext>
-              </a:extLst>
             </p:spPr>
           </p:sp>
           <p:sp>
@@ -10670,18 +9687,6 @@
               <a:ln>
                 <a:noFill/>
               </a:ln>
-              <a:extLst>
-                <a:ext uri="{91240B29-F687-4f45-9708-019B960494DF}">
-                  <a14:hiddenLine xmlns:a14="http://schemas.microsoft.com/office/drawing/2010/main" xmlns="" w="9525">
-                    <a:solidFill>
-                      <a:srgbClr val="000000"/>
-                    </a:solidFill>
-                    <a:round/>
-                    <a:headEnd/>
-                    <a:tailEnd/>
-                  </a14:hiddenLine>
-                </a:ext>
-              </a:extLst>
             </p:spPr>
           </p:sp>
           <p:sp>
@@ -10735,18 +9740,6 @@
               <a:ln>
                 <a:noFill/>
               </a:ln>
-              <a:extLst>
-                <a:ext uri="{91240B29-F687-4f45-9708-019B960494DF}">
-                  <a14:hiddenLine xmlns:a14="http://schemas.microsoft.com/office/drawing/2010/main" xmlns="" w="9525">
-                    <a:solidFill>
-                      <a:srgbClr val="000000"/>
-                    </a:solidFill>
-                    <a:round/>
-                    <a:headEnd/>
-                    <a:tailEnd/>
-                  </a14:hiddenLine>
-                </a:ext>
-              </a:extLst>
             </p:spPr>
           </p:sp>
           <p:sp>
@@ -10797,18 +9790,6 @@
               <a:ln>
                 <a:noFill/>
               </a:ln>
-              <a:extLst>
-                <a:ext uri="{91240B29-F687-4f45-9708-019B960494DF}">
-                  <a14:hiddenLine xmlns:a14="http://schemas.microsoft.com/office/drawing/2010/main" xmlns="" w="9525">
-                    <a:solidFill>
-                      <a:srgbClr val="000000"/>
-                    </a:solidFill>
-                    <a:round/>
-                    <a:headEnd/>
-                    <a:tailEnd/>
-                  </a14:hiddenLine>
-                </a:ext>
-              </a:extLst>
             </p:spPr>
           </p:sp>
           <p:sp>
@@ -10887,18 +9868,6 @@
               <a:ln>
                 <a:noFill/>
               </a:ln>
-              <a:extLst>
-                <a:ext uri="{91240B29-F687-4f45-9708-019B960494DF}">
-                  <a14:hiddenLine xmlns:a14="http://schemas.microsoft.com/office/drawing/2010/main" xmlns="" w="9525">
-                    <a:solidFill>
-                      <a:srgbClr val="000000"/>
-                    </a:solidFill>
-                    <a:round/>
-                    <a:headEnd/>
-                    <a:tailEnd/>
-                  </a14:hiddenLine>
-                </a:ext>
-              </a:extLst>
             </p:spPr>
           </p:sp>
           <p:sp>
@@ -10977,18 +9946,6 @@
               <a:ln>
                 <a:noFill/>
               </a:ln>
-              <a:extLst>
-                <a:ext uri="{91240B29-F687-4f45-9708-019B960494DF}">
-                  <a14:hiddenLine xmlns:a14="http://schemas.microsoft.com/office/drawing/2010/main" xmlns="" w="9525">
-                    <a:solidFill>
-                      <a:srgbClr val="000000"/>
-                    </a:solidFill>
-                    <a:round/>
-                    <a:headEnd/>
-                    <a:tailEnd/>
-                  </a14:hiddenLine>
-                </a:ext>
-              </a:extLst>
             </p:spPr>
           </p:sp>
           <p:sp>
@@ -11042,18 +9999,6 @@
               <a:ln>
                 <a:noFill/>
               </a:ln>
-              <a:extLst>
-                <a:ext uri="{91240B29-F687-4f45-9708-019B960494DF}">
-                  <a14:hiddenLine xmlns:a14="http://schemas.microsoft.com/office/drawing/2010/main" xmlns="" w="9525">
-                    <a:solidFill>
-                      <a:srgbClr val="000000"/>
-                    </a:solidFill>
-                    <a:round/>
-                    <a:headEnd/>
-                    <a:tailEnd/>
-                  </a14:hiddenLine>
-                </a:ext>
-              </a:extLst>
             </p:spPr>
           </p:sp>
           <p:sp>
@@ -11162,18 +10107,6 @@
               <a:ln>
                 <a:noFill/>
               </a:ln>
-              <a:extLst>
-                <a:ext uri="{91240B29-F687-4f45-9708-019B960494DF}">
-                  <a14:hiddenLine xmlns:a14="http://schemas.microsoft.com/office/drawing/2010/main" xmlns="" w="9525">
-                    <a:solidFill>
-                      <a:srgbClr val="000000"/>
-                    </a:solidFill>
-                    <a:round/>
-                    <a:headEnd/>
-                    <a:tailEnd/>
-                  </a14:hiddenLine>
-                </a:ext>
-              </a:extLst>
             </p:spPr>
           </p:sp>
         </p:grpSp>
@@ -11243,18 +10176,6 @@
               <a:ln>
                 <a:noFill/>
               </a:ln>
-              <a:extLst>
-                <a:ext uri="{91240B29-F687-4f45-9708-019B960494DF}">
-                  <a14:hiddenLine xmlns:a14="http://schemas.microsoft.com/office/drawing/2010/main" xmlns="" w="9525">
-                    <a:solidFill>
-                      <a:srgbClr val="000000"/>
-                    </a:solidFill>
-                    <a:round/>
-                    <a:headEnd/>
-                    <a:tailEnd/>
-                  </a14:hiddenLine>
-                </a:ext>
-              </a:extLst>
             </p:spPr>
           </p:sp>
           <p:sp>
@@ -11358,18 +10279,6 @@
               <a:ln>
                 <a:noFill/>
               </a:ln>
-              <a:extLst>
-                <a:ext uri="{91240B29-F687-4f45-9708-019B960494DF}">
-                  <a14:hiddenLine xmlns:a14="http://schemas.microsoft.com/office/drawing/2010/main" xmlns="" w="9525">
-                    <a:solidFill>
-                      <a:srgbClr val="000000"/>
-                    </a:solidFill>
-                    <a:round/>
-                    <a:headEnd/>
-                    <a:tailEnd/>
-                  </a14:hiddenLine>
-                </a:ext>
-              </a:extLst>
             </p:spPr>
           </p:sp>
           <p:sp>
@@ -11448,18 +10357,6 @@
               <a:ln>
                 <a:noFill/>
               </a:ln>
-              <a:extLst>
-                <a:ext uri="{91240B29-F687-4f45-9708-019B960494DF}">
-                  <a14:hiddenLine xmlns:a14="http://schemas.microsoft.com/office/drawing/2010/main" xmlns="" w="9525">
-                    <a:solidFill>
-                      <a:srgbClr val="000000"/>
-                    </a:solidFill>
-                    <a:round/>
-                    <a:headEnd/>
-                    <a:tailEnd/>
-                  </a14:hiddenLine>
-                </a:ext>
-              </a:extLst>
             </p:spPr>
           </p:sp>
           <p:sp>
@@ -11513,18 +10410,6 @@
               <a:ln>
                 <a:noFill/>
               </a:ln>
-              <a:extLst>
-                <a:ext uri="{91240B29-F687-4f45-9708-019B960494DF}">
-                  <a14:hiddenLine xmlns:a14="http://schemas.microsoft.com/office/drawing/2010/main" xmlns="" w="9525">
-                    <a:solidFill>
-                      <a:srgbClr val="000000"/>
-                    </a:solidFill>
-                    <a:round/>
-                    <a:headEnd/>
-                    <a:tailEnd/>
-                  </a14:hiddenLine>
-                </a:ext>
-              </a:extLst>
             </p:spPr>
           </p:sp>
           <p:sp>
@@ -11603,18 +10488,6 @@
               <a:ln>
                 <a:noFill/>
               </a:ln>
-              <a:extLst>
-                <a:ext uri="{91240B29-F687-4f45-9708-019B960494DF}">
-                  <a14:hiddenLine xmlns:a14="http://schemas.microsoft.com/office/drawing/2010/main" xmlns="" w="9525">
-                    <a:solidFill>
-                      <a:srgbClr val="000000"/>
-                    </a:solidFill>
-                    <a:round/>
-                    <a:headEnd/>
-                    <a:tailEnd/>
-                  </a14:hiddenLine>
-                </a:ext>
-              </a:extLst>
             </p:spPr>
           </p:sp>
           <p:sp>
@@ -11671,18 +10544,6 @@
               <a:ln>
                 <a:noFill/>
               </a:ln>
-              <a:extLst>
-                <a:ext uri="{91240B29-F687-4f45-9708-019B960494DF}">
-                  <a14:hiddenLine xmlns:a14="http://schemas.microsoft.com/office/drawing/2010/main" xmlns="" w="9525">
-                    <a:solidFill>
-                      <a:srgbClr val="000000"/>
-                    </a:solidFill>
-                    <a:round/>
-                    <a:headEnd/>
-                    <a:tailEnd/>
-                  </a14:hiddenLine>
-                </a:ext>
-              </a:extLst>
             </p:spPr>
           </p:sp>
           <p:sp>
@@ -11761,18 +10622,6 @@
               <a:ln>
                 <a:noFill/>
               </a:ln>
-              <a:extLst>
-                <a:ext uri="{91240B29-F687-4f45-9708-019B960494DF}">
-                  <a14:hiddenLine xmlns:a14="http://schemas.microsoft.com/office/drawing/2010/main" xmlns="" w="9525">
-                    <a:solidFill>
-                      <a:srgbClr val="000000"/>
-                    </a:solidFill>
-                    <a:round/>
-                    <a:headEnd/>
-                    <a:tailEnd/>
-                  </a14:hiddenLine>
-                </a:ext>
-              </a:extLst>
             </p:spPr>
           </p:sp>
           <p:sp>
@@ -11829,18 +10678,6 @@
               <a:ln>
                 <a:noFill/>
               </a:ln>
-              <a:extLst>
-                <a:ext uri="{91240B29-F687-4f45-9708-019B960494DF}">
-                  <a14:hiddenLine xmlns:a14="http://schemas.microsoft.com/office/drawing/2010/main" xmlns="" w="9525">
-                    <a:solidFill>
-                      <a:srgbClr val="000000"/>
-                    </a:solidFill>
-                    <a:round/>
-                    <a:headEnd/>
-                    <a:tailEnd/>
-                  </a14:hiddenLine>
-                </a:ext>
-              </a:extLst>
             </p:spPr>
           </p:sp>
           <p:sp>
@@ -11919,18 +10756,6 @@
               <a:ln>
                 <a:noFill/>
               </a:ln>
-              <a:extLst>
-                <a:ext uri="{91240B29-F687-4f45-9708-019B960494DF}">
-                  <a14:hiddenLine xmlns:a14="http://schemas.microsoft.com/office/drawing/2010/main" xmlns="" w="9525">
-                    <a:solidFill>
-                      <a:srgbClr val="000000"/>
-                    </a:solidFill>
-                    <a:round/>
-                    <a:headEnd/>
-                    <a:tailEnd/>
-                  </a14:hiddenLine>
-                </a:ext>
-              </a:extLst>
             </p:spPr>
           </p:sp>
           <p:sp>
@@ -11953,18 +10778,6 @@
               <a:ln>
                 <a:noFill/>
               </a:ln>
-              <a:extLst>
-                <a:ext uri="{91240B29-F687-4f45-9708-019B960494DF}">
-                  <a14:hiddenLine xmlns:a14="http://schemas.microsoft.com/office/drawing/2010/main" xmlns="" w="9525">
-                    <a:solidFill>
-                      <a:srgbClr val="000000"/>
-                    </a:solidFill>
-                    <a:miter lim="800000"/>
-                    <a:headEnd/>
-                    <a:tailEnd/>
-                  </a14:hiddenLine>
-                </a:ext>
-              </a:extLst>
             </p:spPr>
           </p:sp>
         </p:grpSp>
@@ -12028,6 +10841,7 @@
               <a:rPr lang="es-ES"/>
               <a:t>Haga clic para modificar los estilos de texto del patrón</a:t>
             </a:r>
+            <a:endParaRPr lang="es-ES"/>
           </a:p>
           <a:p>
             <a:pPr lvl="1"/>
@@ -12035,6 +10849,7 @@
               <a:rPr lang="es-ES"/>
               <a:t>Segundo nivel</a:t>
             </a:r>
+            <a:endParaRPr lang="es-ES"/>
           </a:p>
           <a:p>
             <a:pPr lvl="2"/>
@@ -12042,6 +10857,7 @@
               <a:rPr lang="es-ES"/>
               <a:t>Tercer nivel</a:t>
             </a:r>
+            <a:endParaRPr lang="es-ES"/>
           </a:p>
           <a:p>
             <a:pPr lvl="3"/>
@@ -12049,6 +10865,7 @@
               <a:rPr lang="es-ES"/>
               <a:t>Cuarto nivel</a:t>
             </a:r>
+            <a:endParaRPr lang="es-ES"/>
           </a:p>
           <a:p>
             <a:pPr lvl="4"/>
@@ -12095,8 +10912,6 @@
           <a:p>
             <a:fld id="{688CFFE6-35ED-44EA-8B97-0818B3961DD0}" type="datetimeFigureOut">
               <a:rPr lang="es-AR" smtClean="0"/>
-              <a:pPr/>
-              <a:t>06/05/2019</a:t>
             </a:fld>
             <a:endParaRPr lang="es-AR"/>
           </a:p>
@@ -12174,39 +10989,32 @@
           <a:p>
             <a:fld id="{14D31B5F-CBBD-4E77-9701-40E35D75C5FE}" type="slidenum">
               <a:rPr lang="es-AR" smtClean="0"/>
-              <a:pPr/>
-              <a:t>‹Nº›</a:t>
             </a:fld>
             <a:endParaRPr lang="es-AR"/>
           </a:p>
         </p:txBody>
       </p:sp>
     </p:spTree>
-    <p:extLst>
-      <p:ext uri="{BB962C8B-B14F-4D97-AF65-F5344CB8AC3E}">
-        <p14:creationId xmlns:p14="http://schemas.microsoft.com/office/powerpoint/2010/main" val="170069967"/>
-      </p:ext>
-    </p:extLst>
   </p:cSld>
   <p:clrMap bg1="dk1" tx1="lt1" bg2="dk2" tx2="lt2" accent1="accent1" accent2="accent2" accent3="accent3" accent4="accent4" accent5="accent5" accent6="accent6" hlink="hlink" folHlink="folHlink"/>
   <p:sldLayoutIdLst>
-    <p:sldLayoutId id="2147483780" r:id="rId1"/>
-    <p:sldLayoutId id="2147483781" r:id="rId2"/>
-    <p:sldLayoutId id="2147483782" r:id="rId3"/>
-    <p:sldLayoutId id="2147483783" r:id="rId4"/>
-    <p:sldLayoutId id="2147483784" r:id="rId5"/>
-    <p:sldLayoutId id="2147483785" r:id="rId6"/>
-    <p:sldLayoutId id="2147483786" r:id="rId7"/>
-    <p:sldLayoutId id="2147483787" r:id="rId8"/>
-    <p:sldLayoutId id="2147483788" r:id="rId9"/>
-    <p:sldLayoutId id="2147483789" r:id="rId10"/>
-    <p:sldLayoutId id="2147483790" r:id="rId11"/>
-    <p:sldLayoutId id="2147483791" r:id="rId12"/>
-    <p:sldLayoutId id="2147483792" r:id="rId13"/>
-    <p:sldLayoutId id="2147483793" r:id="rId14"/>
-    <p:sldLayoutId id="2147483794" r:id="rId15"/>
-    <p:sldLayoutId id="2147483795" r:id="rId16"/>
-    <p:sldLayoutId id="2147483796" r:id="rId17"/>
+    <p:sldLayoutId id="2147483649" r:id="rId1"/>
+    <p:sldLayoutId id="2147483650" r:id="rId2"/>
+    <p:sldLayoutId id="2147483651" r:id="rId3"/>
+    <p:sldLayoutId id="2147483652" r:id="rId4"/>
+    <p:sldLayoutId id="2147483653" r:id="rId5"/>
+    <p:sldLayoutId id="2147483654" r:id="rId6"/>
+    <p:sldLayoutId id="2147483655" r:id="rId7"/>
+    <p:sldLayoutId id="2147483656" r:id="rId8"/>
+    <p:sldLayoutId id="2147483657" r:id="rId9"/>
+    <p:sldLayoutId id="2147483658" r:id="rId10"/>
+    <p:sldLayoutId id="2147483659" r:id="rId11"/>
+    <p:sldLayoutId id="2147483660" r:id="rId12"/>
+    <p:sldLayoutId id="2147483661" r:id="rId13"/>
+    <p:sldLayoutId id="2147483662" r:id="rId14"/>
+    <p:sldLayoutId id="2147483663" r:id="rId15"/>
+    <p:sldLayoutId id="2147483664" r:id="rId16"/>
+    <p:sldLayoutId id="2147483665" r:id="rId17"/>
   </p:sldLayoutIdLst>
   <p:txStyles>
     <p:titleStyle>
@@ -12560,7 +11368,7 @@
           <p:nvPr/>
         </p:nvPicPr>
         <p:blipFill>
-          <a:blip r:embed="rId2" cstate="print">
+          <a:blip r:embed="rId1" cstate="print">
             <a:extLst>
               <a:ext uri="{28A0092B-C50C-407E-A947-70E740481C1C}">
                 <a14:useLocalDpi xmlns:a14="http://schemas.microsoft.com/office/drawing/2010/main" val="0"/>
@@ -12582,11 +11390,6 @@
         </p:spPr>
       </p:pic>
     </p:spTree>
-    <p:extLst>
-      <p:ext uri="{BB962C8B-B14F-4D97-AF65-F5344CB8AC3E}">
-        <p14:creationId xmlns:p14="http://schemas.microsoft.com/office/powerpoint/2010/main" val="970392710"/>
-      </p:ext>
-    </p:extLst>
   </p:cSld>
   <p:clrMapOvr>
     <a:masterClrMapping/>
@@ -12655,8 +11458,42 @@
             <a:pPr eaLnBrk="1" hangingPunct="1"/>
             <a:r>
               <a:rPr lang="es-ES" sz="2800"/>
-              <a:t>El nombre del procedimiento almacenado se almacena en la tabla SysObjects, mientras que el texto del procedimiento se guarda en la tabla SysComments. </a:t>
-            </a:r>
+              <a:t>El nombre del procedimiento almacenado se almacena en la tabla </a:t>
+            </a:r>
+            <a:r>
+              <a:rPr lang="es-ES" sz="2800">
+                <a:solidFill>
+                  <a:srgbClr val="FFFF00"/>
+                </a:solidFill>
+              </a:rPr>
+              <a:t>SysObjects</a:t>
+            </a:r>
+            <a:r>
+              <a:rPr lang="es-ES" sz="2800"/>
+              <a:t>, mientras que el texto del procedimiento se guarda en la tabla </a:t>
+            </a:r>
+            <a:r>
+              <a:rPr lang="es-ES" sz="2800">
+                <a:solidFill>
+                  <a:srgbClr val="FFFF00"/>
+                </a:solidFill>
+                <a:highlight>
+                  <a:srgbClr val="000000">
+                    <a:alpha val="0"/>
+                  </a:srgbClr>
+                </a:highlight>
+              </a:rPr>
+              <a:t>SysComments.</a:t>
+            </a:r>
+            <a:r>
+              <a:rPr lang="es-ES" sz="2800">
+                <a:highlight>
+                  <a:srgbClr val="00FF00"/>
+                </a:highlight>
+              </a:rPr>
+              <a:t> </a:t>
+            </a:r>
+            <a:endParaRPr lang="es-ES" sz="2800"/>
           </a:p>
           <a:p>
             <a:pPr eaLnBrk="1" hangingPunct="1"/>
@@ -12668,6 +11505,7 @@
               <a:rPr lang="es-ES" sz="2800"/>
               <a:t>Invocar al procedimiento almacenado implica ejecutar un solo comando en vez de cientos de comandos que un procedimiento almacenado podría contener. </a:t>
             </a:r>
+            <a:endParaRPr lang="es-ES" sz="2800"/>
           </a:p>
         </p:txBody>
       </p:sp>
@@ -12745,6 +11583,7 @@
               <a:rPr lang="es-ES" dirty="0"/>
               <a:t>La primera vez que se ejecuta el procedimiento, se crea un plan de ejecución y se compila al procedimiento almacenado </a:t>
             </a:r>
+            <a:endParaRPr lang="es-ES" dirty="0"/>
           </a:p>
           <a:p>
             <a:pPr eaLnBrk="1" hangingPunct="1"/>
@@ -12753,9 +11592,18 @@
           <a:p>
             <a:pPr eaLnBrk="1" hangingPunct="1"/>
             <a:r>
+              <a:rPr lang="es-ES" dirty="0">
+                <a:solidFill>
+                  <a:srgbClr val="FFFF00"/>
+                </a:solidFill>
+              </a:rPr>
+              <a:t>Los procesamientos subsecuentes del procedimiento almacenado son mucho más rápidos ya que el Server no vuelve a controlar la sintaxis</a:t>
+            </a:r>
+            <a:r>
               <a:rPr lang="es-ES" dirty="0"/>
-              <a:t>Los procesamientos subsecuentes del procedimiento almacenado son mucho más rápidos ya que el Server no vuelve a controlar la sintaxis, ni recrea un plan de ejecución, ni se recompila el procedimiento. </a:t>
-            </a:r>
+              <a:t>, ni recrea un plan de ejecución, ni se recompila el procedimiento. </a:t>
+            </a:r>
+            <a:endParaRPr lang="es-ES" dirty="0"/>
           </a:p>
         </p:txBody>
       </p:sp>
@@ -12825,9 +11673,18 @@
           <a:p>
             <a:pPr eaLnBrk="1" hangingPunct="1"/>
             <a:r>
+              <a:rPr lang="es-ES">
+                <a:solidFill>
+                  <a:srgbClr val="FFFF00"/>
+                </a:solidFill>
+              </a:rPr>
+              <a:t>Por último se verifica el caché por si ya existe un plan de ejecución</a:t>
+            </a:r>
+            <a:r>
               <a:rPr lang="es-ES"/>
-              <a:t>Por último se verifica el caché por si ya existe un plan de ejecución para ese procedimiento antes de generar un nuevo plan de ejecución. </a:t>
-            </a:r>
+              <a:t> para ese procedimiento antes de generar un nuevo plan de ejecución. </a:t>
+            </a:r>
+            <a:endParaRPr lang="es-ES"/>
           </a:p>
         </p:txBody>
       </p:sp>
@@ -12880,6 +11737,7 @@
               <a:rPr lang="es-ES"/>
               <a:t> </a:t>
             </a:r>
+            <a:endParaRPr lang="es-ES"/>
           </a:p>
         </p:txBody>
       </p:sp>
@@ -12900,9 +11758,26 @@
           <a:p>
             <a:pPr eaLnBrk="1" hangingPunct="1"/>
             <a:r>
-              <a:rPr lang="es-ES"/>
-              <a:t>Una vez que se crea un procedimiento almacenado, puede ser llamado todas las veces que sea necesario </a:t>
-            </a:r>
+              <a:rPr lang="es-ES">
+                <a:solidFill>
+                  <a:srgbClr val="FFFF00"/>
+                </a:solidFill>
+              </a:rPr>
+              <a:t>Una vez que se crea un procedimiento almacenado, puede ser llamado todas las veces que sea necesario</a:t>
+            </a:r>
+            <a:r>
+              <a:rPr lang="es-ES">
+                <a:highlight>
+                  <a:srgbClr val="00FF00"/>
+                </a:highlight>
+              </a:rPr>
+              <a:t> </a:t>
+            </a:r>
+            <a:endParaRPr lang="es-ES">
+              <a:highlight>
+                <a:srgbClr val="00FF00"/>
+              </a:highlight>
+            </a:endParaRPr>
           </a:p>
           <a:p>
             <a:pPr eaLnBrk="1" hangingPunct="1"/>
@@ -12914,6 +11789,7 @@
               <a:rPr lang="es-ES"/>
               <a:t>Esta capacidad provee modulación y habilita la reutilización del código. </a:t>
             </a:r>
+            <a:endParaRPr lang="es-ES"/>
           </a:p>
         </p:txBody>
       </p:sp>
@@ -12962,6 +11838,7 @@
               <a:rPr lang="es-ES" b="1"/>
               <a:t>Marco de programación</a:t>
             </a:r>
+            <a:endParaRPr lang="es-ES" b="1"/>
           </a:p>
         </p:txBody>
       </p:sp>
@@ -12989,6 +11866,7 @@
               <a:rPr lang="es-ES"/>
               <a:t>La reutilización del código mejora el mantenimiento de la base de datos al aislar la base de datos de los cambios en las prácticas del negocio. </a:t>
             </a:r>
+            <a:endParaRPr lang="es-ES"/>
           </a:p>
           <a:p>
             <a:pPr eaLnBrk="1" hangingPunct="1">
@@ -13006,8 +11884,21 @@
             </a:pPr>
             <a:r>
               <a:rPr lang="es-ES"/>
-              <a:t>Si las reglas de negocios cambian en una organización, se puede modificar a los procedimientos almacenados para cumplir con las nuevas reglas de negocio. </a:t>
-            </a:r>
+              <a:t>Si las reglas de negocios cambian en una organización, </a:t>
+            </a:r>
+            <a:r>
+              <a:rPr lang="es-ES">
+                <a:solidFill>
+                  <a:srgbClr val="FFFF00"/>
+                </a:solidFill>
+              </a:rPr>
+              <a:t>se puede modificar a los procedimientos almacenados</a:t>
+            </a:r>
+            <a:r>
+              <a:rPr lang="es-ES"/>
+              <a:t> para cumplir con las nuevas reglas de negocio. </a:t>
+            </a:r>
+            <a:endParaRPr lang="es-ES"/>
           </a:p>
         </p:txBody>
       </p:sp>
@@ -13056,6 +11947,7 @@
               <a:rPr lang="es-ES" b="1"/>
               <a:t>Marco de programación</a:t>
             </a:r>
+            <a:endParaRPr lang="es-ES" b="1"/>
           </a:p>
         </p:txBody>
       </p:sp>
@@ -13079,6 +11971,7 @@
               <a:rPr lang="es-ES"/>
               <a:t>Todas las aplicaciones que llaman a esos procedimientos almacenados cumplirán con la nuevas reglas, sin tener que ser directamente modificados.</a:t>
             </a:r>
+            <a:endParaRPr lang="es-ES"/>
           </a:p>
           <a:p>
             <a:pPr eaLnBrk="1" hangingPunct="1"/>
@@ -13160,8 +12053,21 @@
             </a:pPr>
             <a:r>
               <a:rPr lang="es-ES" sz="2800"/>
-              <a:t>Otro capacidad importante de los procedimientos almacenados es que mejoran la seguridad a través de la encriptación y el aislamiento. </a:t>
-            </a:r>
+              <a:t>Otro capacidad importante de los procedimientos almacenados es que mejoran la seguridad a través de la </a:t>
+            </a:r>
+            <a:r>
+              <a:rPr lang="es-ES" sz="2800">
+                <a:solidFill>
+                  <a:srgbClr val="FFFF00"/>
+                </a:solidFill>
+              </a:rPr>
+              <a:t>encriptación y el aislamiento. </a:t>
+            </a:r>
+            <a:endParaRPr lang="es-ES" sz="2800">
+              <a:solidFill>
+                <a:srgbClr val="FFFF00"/>
+              </a:solidFill>
+            </a:endParaRPr>
           </a:p>
           <a:p>
             <a:pPr eaLnBrk="1" hangingPunct="1">
@@ -13181,6 +12087,7 @@
               <a:rPr lang="es-ES" sz="2800"/>
               <a:t>Los usuarios de las bases de datos pueden tener permisos de ejecutar un procedimiento almacenado sin tenerlos para acceder directamente a los objetos de la bases de datos sobre las que opera el procedimiento almacenado. </a:t>
             </a:r>
+            <a:endParaRPr lang="es-ES" sz="2800"/>
           </a:p>
           <a:p>
             <a:pPr eaLnBrk="1" hangingPunct="1">
@@ -13262,9 +12169,18 @@
               </a:lnSpc>
             </a:pPr>
             <a:r>
+              <a:rPr lang="es-ES" sz="2800" dirty="0">
+                <a:solidFill>
+                  <a:srgbClr val="FFFF00"/>
+                </a:solidFill>
+              </a:rPr>
+              <a:t>Además un procedimiento almacenado puede ser encriptado</a:t>
+            </a:r>
+            <a:r>
               <a:rPr lang="es-ES" sz="2800" dirty="0"/>
-              <a:t>Además un procedimiento almacenado puede ser encriptado cuando se lo crea o modifica inhabilitando a los usuarios a leer los comandos PL-SQL contenidos en el procedimiento almacenado. </a:t>
-            </a:r>
+              <a:t> cuando se lo crea o modifica inhabilitando a los usuarios a leer los comandos PL-SQL contenidos en el procedimiento almacenado. </a:t>
+            </a:r>
+            <a:endParaRPr lang="es-ES" sz="2800" dirty="0"/>
           </a:p>
           <a:p>
             <a:pPr eaLnBrk="1" hangingPunct="1">
@@ -13284,6 +12200,7 @@
               <a:rPr lang="es-ES" sz="2800" dirty="0"/>
               <a:t>Esta capacidad de seguridad permite aislar la estructura de la base de datos del usuario de la base de datos, con la consiguiente ganancia en seguridad.</a:t>
             </a:r>
+            <a:endParaRPr lang="es-ES" sz="2800" dirty="0"/>
           </a:p>
           <a:p>
             <a:pPr eaLnBrk="1" hangingPunct="1">
@@ -13353,6 +12270,7 @@
               <a:rPr lang="es-ES" sz="2600" b="1" dirty="0"/>
               <a:t>Sintaxis general:</a:t>
             </a:r>
+            <a:endParaRPr lang="es-ES" sz="2600" b="1" dirty="0"/>
           </a:p>
           <a:p>
             <a:pPr>
@@ -13383,25 +12301,50 @@
               <a:buNone/>
             </a:pPr>
             <a:r>
-              <a:rPr lang="es-ES" sz="2600" b="1" dirty="0"/>
+              <a:rPr lang="es-ES" sz="2600" b="1" dirty="0">
+                <a:solidFill>
+                  <a:srgbClr val="FFFF00"/>
+                </a:solidFill>
+              </a:rPr>
               <a:t>CREATE PROCEDURE </a:t>
             </a:r>
             <a:r>
-              <a:rPr lang="es-ES" sz="2600" b="1" dirty="0" err="1"/>
+              <a:rPr lang="es-ES" sz="2600" b="1" dirty="0" err="1">
+                <a:solidFill>
+                  <a:srgbClr val="FFFF00"/>
+                </a:solidFill>
+              </a:rPr>
               <a:t>sp_name</a:t>
             </a:r>
             <a:r>
-              <a:rPr lang="es-ES" sz="2600" b="1" dirty="0"/>
+              <a:rPr lang="es-ES" sz="2600" b="1" dirty="0">
+                <a:solidFill>
+                  <a:srgbClr val="FFFF00"/>
+                </a:solidFill>
+              </a:rPr>
               <a:t> ([ </a:t>
             </a:r>
             <a:r>
-              <a:rPr lang="es-ES" sz="2600" b="1" dirty="0" err="1"/>
+              <a:rPr lang="es-ES" sz="2600" b="1" dirty="0" err="1">
+                <a:solidFill>
+                  <a:srgbClr val="FFFF00"/>
+                </a:solidFill>
+              </a:rPr>
               <a:t>parameter</a:t>
             </a:r>
             <a:r>
-              <a:rPr lang="es-ES" sz="2600" b="1" dirty="0"/>
+              <a:rPr lang="es-ES" sz="2600" b="1" dirty="0">
+                <a:solidFill>
+                  <a:srgbClr val="FFFF00"/>
+                </a:solidFill>
+              </a:rPr>
               <a:t>[ ,…] ] )</a:t>
             </a:r>
+            <a:endParaRPr lang="es-ES" sz="2600" b="1" dirty="0">
+              <a:solidFill>
+                <a:srgbClr val="FFFF00"/>
+              </a:solidFill>
+            </a:endParaRPr>
           </a:p>
           <a:p>
             <a:pPr>
@@ -13412,10 +12355,18 @@
               <a:buNone/>
             </a:pPr>
             <a:r>
-              <a:rPr lang="es-ES" sz="2600" b="1" dirty="0" err="1"/>
+              <a:rPr lang="es-ES" sz="2600" b="1" dirty="0" err="1">
+                <a:solidFill>
+                  <a:srgbClr val="FFFF00"/>
+                </a:solidFill>
+              </a:rPr>
               <a:t>routine_body</a:t>
             </a:r>
-            <a:endParaRPr lang="es-ES" sz="2600" b="1" dirty="0"/>
+            <a:endParaRPr lang="es-ES" sz="2600" b="1" dirty="0">
+              <a:solidFill>
+                <a:srgbClr val="FFFF00"/>
+              </a:solidFill>
+            </a:endParaRPr>
           </a:p>
           <a:p>
             <a:pPr>
@@ -13439,6 +12390,7 @@
               <a:rPr lang="es-ES" sz="2600" dirty="0"/>
               <a:t>Donde:</a:t>
             </a:r>
+            <a:endParaRPr lang="es-ES" sz="2600" dirty="0"/>
           </a:p>
           <a:p>
             <a:pPr>
@@ -13470,6 +12422,7 @@
               <a:rPr lang="es-ES" sz="2600" dirty="0"/>
               <a:t> </a:t>
             </a:r>
+            <a:endParaRPr lang="es-ES" sz="2600" dirty="0"/>
           </a:p>
           <a:p>
             <a:pPr>
@@ -13493,6 +12446,7 @@
               <a:rPr lang="es-ES" sz="2600" dirty="0"/>
               <a:t>.</a:t>
             </a:r>
+            <a:endParaRPr lang="es-ES" sz="2600" dirty="0"/>
           </a:p>
           <a:p>
             <a:pPr>
@@ -13508,6 +12462,7 @@
               <a:rPr lang="es-ES" sz="2600" dirty="0"/>
               <a:t>: comandos SQL válidos </a:t>
             </a:r>
+            <a:endParaRPr lang="es-ES" sz="2600" dirty="0"/>
           </a:p>
         </p:txBody>
       </p:sp>
@@ -13561,25 +12516,50 @@
               <a:buNone/>
             </a:pPr>
             <a:r>
-              <a:rPr lang="es-ES" sz="2600" b="1" dirty="0"/>
+              <a:rPr lang="es-ES" sz="2600" b="1" dirty="0">
+                <a:solidFill>
+                  <a:srgbClr val="92D050"/>
+                </a:solidFill>
+              </a:rPr>
               <a:t>CREATE PROCEDURE </a:t>
             </a:r>
             <a:r>
-              <a:rPr lang="es-ES" sz="2600" b="1" dirty="0" err="1"/>
+              <a:rPr lang="es-ES" sz="2600" b="1" dirty="0" err="1">
+                <a:solidFill>
+                  <a:srgbClr val="92D050"/>
+                </a:solidFill>
+              </a:rPr>
               <a:t>sp_name</a:t>
             </a:r>
             <a:r>
-              <a:rPr lang="es-ES" sz="2600" b="1" dirty="0"/>
+              <a:rPr lang="es-ES" sz="2600" b="1" dirty="0">
+                <a:solidFill>
+                  <a:srgbClr val="92D050"/>
+                </a:solidFill>
+              </a:rPr>
               <a:t> ([ </a:t>
             </a:r>
             <a:r>
-              <a:rPr lang="es-ES" sz="2600" b="1" dirty="0" err="1"/>
+              <a:rPr lang="es-ES" sz="2600" b="1" dirty="0" err="1">
+                <a:solidFill>
+                  <a:srgbClr val="92D050"/>
+                </a:solidFill>
+              </a:rPr>
               <a:t>parameter</a:t>
             </a:r>
             <a:r>
-              <a:rPr lang="es-ES" sz="2600" b="1" dirty="0"/>
+              <a:rPr lang="es-ES" sz="2600" b="1" dirty="0">
+                <a:solidFill>
+                  <a:srgbClr val="92D050"/>
+                </a:solidFill>
+              </a:rPr>
               <a:t>[ ,…] ] )</a:t>
             </a:r>
+            <a:endParaRPr lang="es-ES" sz="2600" b="1" dirty="0">
+              <a:solidFill>
+                <a:srgbClr val="92D050"/>
+              </a:solidFill>
+            </a:endParaRPr>
           </a:p>
           <a:p>
             <a:pPr>
@@ -13587,25 +12567,51 @@
               <a:buNone/>
             </a:pPr>
             <a:r>
-              <a:rPr lang="es-ES" sz="2600" b="1" dirty="0" err="1"/>
+              <a:rPr lang="es-ES" sz="2600" b="1" dirty="0" err="1">
+                <a:solidFill>
+                  <a:srgbClr val="00B0F0"/>
+                </a:solidFill>
+              </a:rPr>
               <a:t>routine_body</a:t>
             </a:r>
-            <a:endParaRPr lang="es-ES" sz="2600" b="1" dirty="0"/>
+            <a:endParaRPr lang="es-ES" sz="2600" b="1" dirty="0">
+              <a:solidFill>
+                <a:srgbClr val="00B0F0"/>
+              </a:solidFill>
+            </a:endParaRPr>
           </a:p>
           <a:p>
             <a:endParaRPr lang="es-ES" dirty="0"/>
           </a:p>
           <a:p>
             <a:r>
-              <a:rPr lang="es-ES" dirty="0"/>
+              <a:rPr lang="es-ES" dirty="0">
+                <a:solidFill>
+                  <a:srgbClr val="92D050"/>
+                </a:solidFill>
+              </a:rPr>
               <a:t>Bloque Cabecera</a:t>
             </a:r>
-          </a:p>
-          <a:p>
-            <a:r>
-              <a:rPr lang="es-ES" dirty="0"/>
+            <a:endParaRPr lang="es-ES" dirty="0">
+              <a:solidFill>
+                <a:srgbClr val="92D050"/>
+              </a:solidFill>
+            </a:endParaRPr>
+          </a:p>
+          <a:p>
+            <a:r>
+              <a:rPr lang="es-ES" dirty="0">
+                <a:solidFill>
+                  <a:srgbClr val="00B0F0"/>
+                </a:solidFill>
+              </a:rPr>
               <a:t>Bloque de Ejecución</a:t>
             </a:r>
+            <a:endParaRPr lang="es-ES" dirty="0">
+              <a:solidFill>
+                <a:srgbClr val="00B0F0"/>
+              </a:solidFill>
+            </a:endParaRPr>
           </a:p>
         </p:txBody>
       </p:sp>
@@ -13678,6 +12684,7 @@
               <a:rPr lang="es-ES" b="1"/>
               <a:t>Un Procedimiento Almacenado es un programa autocontrolado escrito en lenguaje del DBMS, son almacenados como parte de la Base de Datos y sus metadatos. </a:t>
             </a:r>
+            <a:endParaRPr lang="es-ES" b="1"/>
           </a:p>
         </p:txBody>
       </p:sp>
@@ -13727,37 +12734,85 @@
           <a:lstStyle/>
           <a:p>
             <a:r>
-              <a:rPr lang="es-ES" dirty="0"/>
+              <a:rPr lang="es-ES" dirty="0">
+                <a:solidFill>
+                  <a:srgbClr val="FFFF00"/>
+                </a:solidFill>
+              </a:rPr>
               <a:t>Tipos de Programas en el lado del servidor:</a:t>
             </a:r>
-          </a:p>
-          <a:p>
-            <a:endParaRPr lang="es-ES" dirty="0"/>
-          </a:p>
-          <a:p>
-            <a:r>
-              <a:rPr lang="es-ES" b="1" dirty="0"/>
+            <a:endParaRPr lang="es-ES" dirty="0">
+              <a:solidFill>
+                <a:srgbClr val="FFFF00"/>
+              </a:solidFill>
+            </a:endParaRPr>
+          </a:p>
+          <a:p>
+            <a:endParaRPr lang="es-ES" dirty="0">
+              <a:solidFill>
+                <a:srgbClr val="FFFF00"/>
+              </a:solidFill>
+            </a:endParaRPr>
+          </a:p>
+          <a:p>
+            <a:r>
+              <a:rPr lang="es-ES" b="1" dirty="0">
+                <a:solidFill>
+                  <a:srgbClr val="FFFF00"/>
+                </a:solidFill>
+              </a:rPr>
               <a:t>Procedimientos almacenados </a:t>
             </a:r>
-          </a:p>
-          <a:p>
-            <a:r>
-              <a:rPr lang="es-ES" b="1" dirty="0"/>
+            <a:endParaRPr lang="es-ES" b="1" dirty="0">
+              <a:solidFill>
+                <a:srgbClr val="FFFF00"/>
+              </a:solidFill>
+            </a:endParaRPr>
+          </a:p>
+          <a:p>
+            <a:r>
+              <a:rPr lang="es-ES" b="1" dirty="0">
+                <a:solidFill>
+                  <a:srgbClr val="FFFF00"/>
+                </a:solidFill>
+              </a:rPr>
               <a:t>Funciones de Usuario.</a:t>
             </a:r>
-          </a:p>
-          <a:p>
-            <a:endParaRPr lang="es-ES" b="1" dirty="0"/>
-          </a:p>
-          <a:p>
-            <a:r>
-              <a:rPr lang="es-ES" dirty="0" err="1"/>
+            <a:endParaRPr lang="es-ES" b="1" dirty="0">
+              <a:solidFill>
+                <a:srgbClr val="FFFF00"/>
+              </a:solidFill>
+            </a:endParaRPr>
+          </a:p>
+          <a:p>
+            <a:endParaRPr lang="es-ES" b="1" dirty="0">
+              <a:solidFill>
+                <a:srgbClr val="FFFF00"/>
+              </a:solidFill>
+            </a:endParaRPr>
+          </a:p>
+          <a:p>
+            <a:r>
+              <a:rPr lang="es-ES" dirty="0" err="1">
+                <a:solidFill>
+                  <a:srgbClr val="FFFF00"/>
+                </a:solidFill>
+              </a:rPr>
               <a:t>Triggers</a:t>
             </a:r>
             <a:r>
-              <a:rPr lang="es-ES" dirty="0"/>
+              <a:rPr lang="es-ES" dirty="0">
+                <a:solidFill>
+                  <a:srgbClr val="FFFF00"/>
+                </a:solidFill>
+              </a:rPr>
               <a:t>. (se verá después)</a:t>
             </a:r>
+            <a:endParaRPr lang="es-ES" dirty="0">
+              <a:solidFill>
+                <a:srgbClr val="FFFF00"/>
+              </a:solidFill>
+            </a:endParaRPr>
           </a:p>
         </p:txBody>
       </p:sp>
@@ -13804,33 +12859,74 @@
           <a:lstStyle/>
           <a:p>
             <a:r>
-              <a:rPr lang="es-ES" sz="2800"/>
+              <a:rPr lang="es-ES" sz="2800">
+                <a:solidFill>
+                  <a:srgbClr val="FFFF00"/>
+                </a:solidFill>
+              </a:rPr>
               <a:t>El punto y coma (;) es el delimitador por defecto.</a:t>
             </a:r>
+            <a:endParaRPr lang="es-ES" sz="2800"/>
           </a:p>
           <a:p>
             <a:r>
               <a:rPr lang="es-ES" sz="2800"/>
               <a:t>Los procedimientos almacenados y funciones pueden contener varias sentencias que terminan con este delimitador. </a:t>
             </a:r>
-          </a:p>
-          <a:p>
-            <a:r>
-              <a:rPr lang="es-ES" sz="2800"/>
+            <a:endParaRPr lang="es-ES" sz="2800"/>
+          </a:p>
+          <a:p>
+            <a:r>
+              <a:rPr lang="es-ES" sz="2800">
+                <a:solidFill>
+                  <a:srgbClr val="FFFF00"/>
+                </a:solidFill>
+                <a:highlight>
+                  <a:srgbClr val="000000"/>
+                </a:highlight>
+              </a:rPr>
               <a:t>Se debe indicar a MySQL que temporalmente NO lo usaremos como carácter delimitador, eso lo haremos usando la sentencia </a:t>
             </a:r>
             <a:r>
-              <a:rPr lang="es-ES" sz="2800" b="1"/>
+              <a:rPr lang="es-ES" sz="2800" b="1">
+                <a:solidFill>
+                  <a:srgbClr val="FFFF00"/>
+                </a:solidFill>
+                <a:highlight>
+                  <a:srgbClr val="000000"/>
+                </a:highlight>
+              </a:rPr>
               <a:t>DELIMITER</a:t>
             </a:r>
             <a:r>
-              <a:rPr lang="es-ES" sz="2800"/>
+              <a:rPr lang="es-ES" sz="2800">
+                <a:solidFill>
+                  <a:srgbClr val="FFFF00"/>
+                </a:solidFill>
+                <a:highlight>
+                  <a:srgbClr val="000000"/>
+                </a:highlight>
+              </a:rPr>
               <a:t>.</a:t>
             </a:r>
             <a:br>
-              <a:rPr lang="es-ES" sz="2800"/>
+              <a:rPr lang="es-ES" sz="2800">
+                <a:solidFill>
+                  <a:srgbClr val="FFFF00"/>
+                </a:solidFill>
+                <a:highlight>
+                  <a:srgbClr val="000000"/>
+                </a:highlight>
+              </a:rPr>
             </a:br>
-            <a:endParaRPr lang="es-ES" sz="2800"/>
+            <a:endParaRPr lang="es-ES" sz="2800">
+              <a:solidFill>
+                <a:srgbClr val="FFFF00"/>
+              </a:solidFill>
+              <a:highlight>
+                <a:srgbClr val="000000"/>
+              </a:highlight>
+            </a:endParaRPr>
           </a:p>
         </p:txBody>
       </p:sp>
@@ -13861,20 +12957,14 @@
       </p:grpSpPr>
       <p:pic>
         <p:nvPicPr>
-          <p:cNvPr id="2" name="Imagen 1">
-            <a:extLst>
-              <a:ext uri="{FF2B5EF4-FFF2-40B4-BE49-F238E27FC236}">
-                <a16:creationId xmlns:a16="http://schemas.microsoft.com/office/drawing/2014/main" id="{91780F53-5661-48EF-BF65-49CF2347429D}"/>
-              </a:ext>
-            </a:extLst>
-          </p:cNvPr>
+          <p:cNvPr id="2" name="Imagen 1"/>
           <p:cNvPicPr>
             <a:picLocks noChangeAspect="1"/>
           </p:cNvPicPr>
           <p:nvPr/>
         </p:nvPicPr>
         <p:blipFill>
-          <a:blip r:embed="rId2"/>
+          <a:blip r:embed="rId1"/>
           <a:stretch>
             <a:fillRect/>
           </a:stretch>
@@ -13945,6 +13035,7 @@
               <a:rPr lang="es-ES" sz="2400" b="1"/>
               <a:t>BEGIN - END</a:t>
             </a:r>
+            <a:endParaRPr lang="es-ES" sz="2400" b="1"/>
           </a:p>
           <a:p>
             <a:pPr algn="just">
@@ -13974,6 +13065,7 @@
               <a:rPr lang="es-ES" sz="2400" b="1"/>
               <a:t>[etiqueta_inicio:] BEGIN </a:t>
             </a:r>
+            <a:endParaRPr lang="es-ES" sz="2400" b="1"/>
           </a:p>
           <a:p>
             <a:pPr algn="just">
@@ -13985,6 +13077,7 @@
               <a:rPr lang="es-ES" sz="2400" b="1"/>
               <a:t>[lista_sentencias] </a:t>
             </a:r>
+            <a:endParaRPr lang="es-ES" sz="2400" b="1"/>
           </a:p>
           <a:p>
             <a:pPr algn="just">
@@ -13996,6 +13089,7 @@
               <a:rPr lang="es-ES" sz="2400" b="1"/>
               <a:t>END [etiqueta_fin] </a:t>
             </a:r>
+            <a:endParaRPr lang="es-ES" sz="2400" b="1"/>
           </a:p>
           <a:p>
             <a:pPr algn="just">
@@ -14012,17 +13106,34 @@
               </a:lnSpc>
             </a:pPr>
             <a:r>
-              <a:rPr lang="es-ES" sz="2400"/>
+              <a:rPr lang="es-ES" sz="2400">
+                <a:solidFill>
+                  <a:srgbClr val="FFFF00"/>
+                </a:solidFill>
+              </a:rPr>
               <a:t>La sintaxis </a:t>
             </a:r>
             <a:r>
-              <a:rPr lang="es-ES" sz="2400" b="1"/>
+              <a:rPr lang="es-ES" sz="2400" b="1">
+                <a:solidFill>
+                  <a:srgbClr val="FFFF00"/>
+                </a:solidFill>
+              </a:rPr>
               <a:t>BEGIN ... END</a:t>
             </a:r>
             <a:r>
-              <a:rPr lang="es-ES" sz="2400"/>
+              <a:rPr lang="es-ES" sz="2400">
+                <a:solidFill>
+                  <a:srgbClr val="FFFF00"/>
+                </a:solidFill>
+              </a:rPr>
               <a:t> se utiliza para escribir sentencias compuestas que pueden aparecer en el interior de procedimientos almacenados. </a:t>
             </a:r>
+            <a:endParaRPr lang="es-ES" sz="2400">
+              <a:solidFill>
+                <a:srgbClr val="FFFF00"/>
+              </a:solidFill>
+            </a:endParaRPr>
           </a:p>
           <a:p>
             <a:pPr algn="just">
@@ -14050,6 +13161,7 @@
               <a:rPr lang="es-ES" sz="2400"/>
               <a:t>. </a:t>
             </a:r>
+            <a:endParaRPr lang="es-ES" sz="2400"/>
           </a:p>
           <a:p>
             <a:pPr algn="just">
@@ -14065,6 +13177,7 @@
               <a:rPr lang="es-ES" sz="2400"/>
               <a:t> es una lista de una o más sentencias. </a:t>
             </a:r>
+            <a:endParaRPr lang="es-ES" sz="2400"/>
           </a:p>
           <a:p>
             <a:pPr algn="just">
@@ -14092,6 +13205,7 @@
               <a:rPr lang="es-ES" sz="2400"/>
               <a:t>) delimitador de sentencias. </a:t>
             </a:r>
+            <a:endParaRPr lang="es-ES" sz="2400"/>
           </a:p>
         </p:txBody>
       </p:sp>
@@ -14149,6 +13263,7 @@
               <a:rPr lang="es-ES" sz="2400" b="1"/>
               <a:t>DECLARE</a:t>
             </a:r>
+            <a:endParaRPr lang="es-ES" sz="2400" b="1"/>
           </a:p>
           <a:p>
             <a:pPr>
@@ -14171,13 +13286,26 @@
               <a:t>El comando </a:t>
             </a:r>
             <a:r>
-              <a:rPr lang="es-ES" sz="2400" b="1"/>
+              <a:rPr lang="es-ES" sz="2400" b="1">
+                <a:solidFill>
+                  <a:srgbClr val="FFFF00"/>
+                </a:solidFill>
+              </a:rPr>
               <a:t>DECLARE</a:t>
             </a:r>
             <a:r>
+              <a:rPr lang="es-ES" sz="2400">
+                <a:solidFill>
+                  <a:srgbClr val="FFFF00"/>
+                </a:solidFill>
+              </a:rPr>
+              <a:t> se usa para definir variables</a:t>
+            </a:r>
+            <a:r>
               <a:rPr lang="es-ES" sz="2400"/>
-              <a:t> se usa para definir variables locales que se utilizarán dentro de los PA.</a:t>
-            </a:r>
+              <a:t> locales que se utilizarán dentro de los PA.</a:t>
+            </a:r>
+            <a:endParaRPr lang="es-ES" sz="2400"/>
           </a:p>
           <a:p>
             <a:pPr>
@@ -14201,6 +13329,7 @@
               <a:rPr lang="es-ES" sz="2400"/>
               <a:t> y deben ser su inicio, antes de cualquier otro comando. </a:t>
             </a:r>
+            <a:endParaRPr lang="es-ES" sz="2400"/>
           </a:p>
         </p:txBody>
       </p:sp>
@@ -14275,6 +13404,7 @@
               <a:rPr lang="es-ES" sz="2400" b="1" dirty="0"/>
               <a:t>[ ,…] ] )</a:t>
             </a:r>
+            <a:endParaRPr lang="es-ES" sz="2400" b="1" dirty="0"/>
           </a:p>
           <a:p>
             <a:pPr>
@@ -14296,6 +13426,7 @@
               <a:rPr lang="es-ES" sz="2400" b="1" dirty="0"/>
               <a:t>Begin</a:t>
             </a:r>
+            <a:endParaRPr lang="es-ES" sz="2400" b="1" dirty="0"/>
           </a:p>
           <a:p>
             <a:pPr>
@@ -14310,6 +13441,11 @@
               </a:rPr>
               <a:t>Declare…</a:t>
             </a:r>
+            <a:endParaRPr lang="es-ES" sz="2400" b="1" dirty="0">
+              <a:solidFill>
+                <a:schemeClr val="accent1"/>
+              </a:solidFill>
+            </a:endParaRPr>
           </a:p>
           <a:p>
             <a:pPr>
@@ -14320,6 +13456,7 @@
               <a:rPr lang="es-ES" sz="2400" b="1" dirty="0"/>
               <a:t>…</a:t>
             </a:r>
+            <a:endParaRPr lang="es-ES" sz="2400" b="1" dirty="0"/>
           </a:p>
           <a:p>
             <a:pPr>
@@ -14344,12 +13481,18 @@
               </a:rPr>
               <a:t>Bloque Cabecera</a:t>
             </a:r>
+            <a:endParaRPr lang="es-ES" sz="2400" dirty="0">
+              <a:solidFill>
+                <a:schemeClr val="folHlink"/>
+              </a:solidFill>
+            </a:endParaRPr>
           </a:p>
           <a:p>
             <a:r>
               <a:rPr lang="es-ES" sz="2400" dirty="0"/>
               <a:t>Bloque de Ejecución</a:t>
             </a:r>
+            <a:endParaRPr lang="es-ES" sz="2400" dirty="0"/>
           </a:p>
           <a:p>
             <a:r>
@@ -14360,6 +13503,11 @@
               </a:rPr>
               <a:t>Bloque de Declaración</a:t>
             </a:r>
+            <a:endParaRPr lang="es-ES" sz="2400" dirty="0">
+              <a:solidFill>
+                <a:schemeClr val="accent1"/>
+              </a:solidFill>
+            </a:endParaRPr>
           </a:p>
         </p:txBody>
       </p:sp>
@@ -14390,18 +13538,12 @@
       </p:grpSpPr>
       <p:pic>
         <p:nvPicPr>
-          <p:cNvPr id="4" name="Imagen 3">
-            <a:extLst>
-              <a:ext uri="{FF2B5EF4-FFF2-40B4-BE49-F238E27FC236}">
-                <a16:creationId xmlns:a16="http://schemas.microsoft.com/office/drawing/2014/main" id="{8C5A9B85-C681-48B1-961A-11D8F56FC35C}"/>
-              </a:ext>
-            </a:extLst>
-          </p:cNvPr>
+          <p:cNvPr id="4" name="Imagen 3"/>
           <p:cNvPicPr/>
           <p:nvPr/>
         </p:nvPicPr>
         <p:blipFill>
-          <a:blip r:embed="rId2"/>
+          <a:blip r:embed="rId1"/>
           <a:srcRect l="27495" t="35347" r="27359" b="33535"/>
           <a:stretch>
             <a:fillRect/>
@@ -14425,11 +13567,6 @@
         </p:spPr>
       </p:pic>
     </p:spTree>
-    <p:extLst>
-      <p:ext uri="{BB962C8B-B14F-4D97-AF65-F5344CB8AC3E}">
-        <p14:creationId xmlns:p14="http://schemas.microsoft.com/office/powerpoint/2010/main" val="2211726015"/>
-      </p:ext>
-    </p:extLst>
   </p:cSld>
   <p:clrMapOvr>
     <a:masterClrMapping/>
@@ -14485,6 +13622,7 @@
               <a:rPr lang="es-ES" sz="2800" b="1"/>
               <a:t>Como se invocan???</a:t>
             </a:r>
+            <a:endParaRPr lang="es-ES" sz="2800" b="1"/>
           </a:p>
           <a:p>
             <a:pPr>
@@ -14511,15 +13649,36 @@
               </a:lnSpc>
             </a:pPr>
             <a:r>
-              <a:rPr lang="es-ES" sz="2800" b="1"/>
+              <a:rPr lang="es-ES" sz="2800" b="1">
+                <a:solidFill>
+                  <a:srgbClr val="FFFF00"/>
+                </a:solidFill>
+                <a:highlight>
+                  <a:srgbClr val="000000"/>
+                </a:highlight>
+              </a:rPr>
               <a:t>PROCEDURE</a:t>
             </a:r>
             <a:r>
-              <a:rPr lang="es-ES" sz="2800"/>
+              <a:rPr lang="es-ES" sz="2800">
+                <a:solidFill>
+                  <a:srgbClr val="FFFF00"/>
+                </a:solidFill>
+                <a:highlight>
+                  <a:srgbClr val="000000"/>
+                </a:highlight>
+              </a:rPr>
               <a:t>:  sentencia </a:t>
             </a:r>
             <a:r>
-              <a:rPr lang="es-ES" sz="2800" b="1"/>
+              <a:rPr lang="es-ES" sz="2800" b="1">
+                <a:solidFill>
+                  <a:srgbClr val="FFFF00"/>
+                </a:solidFill>
+                <a:highlight>
+                  <a:srgbClr val="000000"/>
+                </a:highlight>
+              </a:rPr>
               <a:t>call</a:t>
             </a:r>
             <a:endParaRPr lang="es-ES" sz="2800"/>
@@ -14546,18 +13705,46 @@
               </a:lnSpc>
             </a:pPr>
             <a:r>
-              <a:rPr lang="es-ES" sz="2800" b="1"/>
+              <a:rPr lang="es-ES" sz="2800" b="1">
+                <a:solidFill>
+                  <a:srgbClr val="FFFF00"/>
+                </a:solidFill>
+                <a:highlight>
+                  <a:srgbClr val="000000"/>
+                </a:highlight>
+              </a:rPr>
               <a:t>FUNCTION</a:t>
             </a:r>
             <a:r>
-              <a:rPr lang="es-ES" sz="2800"/>
+              <a:rPr lang="es-ES" sz="2800">
+                <a:solidFill>
+                  <a:srgbClr val="FFFF00"/>
+                </a:solidFill>
+                <a:highlight>
+                  <a:srgbClr val="000000"/>
+                </a:highlight>
+              </a:rPr>
               <a:t>: </a:t>
             </a:r>
             <a:r>
-              <a:rPr lang="es-ES" sz="2800" b="1"/>
+              <a:rPr lang="es-ES" sz="2800" b="1">
+                <a:solidFill>
+                  <a:srgbClr val="FFFF00"/>
+                </a:solidFill>
+                <a:highlight>
+                  <a:srgbClr val="000000"/>
+                </a:highlight>
+              </a:rPr>
               <a:t>select</a:t>
             </a:r>
-            <a:endParaRPr lang="es-ES" sz="2800"/>
+            <a:endParaRPr lang="es-ES" sz="2800">
+              <a:solidFill>
+                <a:srgbClr val="FFFF00"/>
+              </a:solidFill>
+              <a:highlight>
+                <a:srgbClr val="000000"/>
+              </a:highlight>
+            </a:endParaRPr>
           </a:p>
           <a:p>
             <a:pPr>
@@ -14569,6 +13756,7 @@
               <a:rPr lang="es-ES" sz="2800"/>
               <a:t>mysql&gt; select nombre_funcion(); </a:t>
             </a:r>
+            <a:endParaRPr lang="es-ES" sz="2800"/>
           </a:p>
           <a:p>
             <a:pPr>
@@ -14592,6 +13780,7 @@
               <a:rPr lang="es-ES" sz="2800"/>
               <a:t>: no se invoca</a:t>
             </a:r>
+            <a:endParaRPr lang="es-ES" sz="2800"/>
           </a:p>
         </p:txBody>
       </p:sp>
@@ -14649,6 +13838,7 @@
               <a:rPr lang="es-ES"/>
               <a:t>Recordando…</a:t>
             </a:r>
+            <a:endParaRPr lang="es-ES"/>
           </a:p>
           <a:p>
             <a:pPr>
@@ -14670,6 +13860,7 @@
               <a:rPr lang="es-ES" b="1"/>
               <a:t>Funciones SQL estándar.</a:t>
             </a:r>
+            <a:endParaRPr lang="es-ES" b="1"/>
           </a:p>
           <a:p>
             <a:pPr>
@@ -14681,6 +13872,7 @@
               <a:rPr lang="es-ES"/>
               <a:t>Clasificación:</a:t>
             </a:r>
+            <a:endParaRPr lang="es-ES"/>
           </a:p>
           <a:p>
             <a:pPr lvl="1">
@@ -14692,6 +13884,7 @@
               <a:rPr lang="es-ES"/>
               <a:t>Funciones Numéricas.</a:t>
             </a:r>
+            <a:endParaRPr lang="es-ES"/>
           </a:p>
           <a:p>
             <a:pPr lvl="1">
@@ -14703,6 +13896,7 @@
               <a:rPr lang="es-ES"/>
               <a:t>Agregación.</a:t>
             </a:r>
+            <a:endParaRPr lang="es-ES"/>
           </a:p>
           <a:p>
             <a:pPr lvl="1">
@@ -14714,6 +13908,7 @@
               <a:rPr lang="es-ES"/>
               <a:t>Fecha y Hora.</a:t>
             </a:r>
+            <a:endParaRPr lang="es-ES"/>
           </a:p>
           <a:p>
             <a:pPr lvl="1">
@@ -14725,6 +13920,7 @@
               <a:rPr lang="es-ES"/>
               <a:t>Cadena de caracteres.</a:t>
             </a:r>
+            <a:endParaRPr lang="es-ES"/>
           </a:p>
           <a:p>
             <a:pPr lvl="1">
@@ -14736,6 +13932,7 @@
               <a:rPr lang="es-ES"/>
               <a:t>Otras.</a:t>
             </a:r>
+            <a:endParaRPr lang="es-ES"/>
           </a:p>
           <a:p>
             <a:pPr lvl="1">
@@ -14755,6 +13952,7 @@
               <a:rPr lang="es-ES"/>
               <a:t>Investigar sobre fns. SQL estándar.</a:t>
             </a:r>
+            <a:endParaRPr lang="es-ES"/>
           </a:p>
         </p:txBody>
       </p:sp>
@@ -14807,6 +14005,7 @@
               <a:rPr lang="es-ES" sz="3600"/>
               <a:t>Funciones definidas por el usuario</a:t>
             </a:r>
+            <a:endParaRPr lang="es-ES" sz="3600"/>
           </a:p>
         </p:txBody>
       </p:sp>
@@ -14878,9 +14077,18 @@
           <a:p>
             <a:pPr eaLnBrk="1" hangingPunct="1"/>
             <a:r>
+              <a:rPr lang="es-ES" sz="2800" b="1">
+                <a:solidFill>
+                  <a:srgbClr val="FFFF00"/>
+                </a:solidFill>
+              </a:rPr>
+              <a:t>Una vez creado un procedimiento almacenado, se puede invocar directamente desde una aplicación</a:t>
+            </a:r>
+            <a:r>
               <a:rPr lang="es-ES" sz="2800" b="1"/>
-              <a:t>Una vez creado un procedimiento almacenado, se puede invocar directamente desde una aplicación, o sustituir el nombre de una tabla o vista, por el nombre de procedimiento en cláusulas SELECT. </a:t>
-            </a:r>
+              <a:t>, o sustituir el nombre de una tabla o vista, por el nombre de procedimiento en cláusulas SELECT. </a:t>
+            </a:r>
+            <a:endParaRPr lang="es-ES" sz="2800" b="1"/>
           </a:p>
           <a:p>
             <a:pPr eaLnBrk="1" hangingPunct="1"/>
@@ -14889,9 +14097,18 @@
           <a:p>
             <a:pPr eaLnBrk="1" hangingPunct="1"/>
             <a:r>
-              <a:rPr lang="es-ES" sz="2800" b="1"/>
+              <a:rPr lang="es-ES" sz="2800" b="1">
+                <a:solidFill>
+                  <a:srgbClr val="FFFF00"/>
+                </a:solidFill>
+              </a:rPr>
               <a:t>Los procedimientos almacenados pueden recibir parámetros de entrada y retornar valores a la aplicación. </a:t>
             </a:r>
+            <a:endParaRPr lang="es-ES" sz="2800" b="1">
+              <a:solidFill>
+                <a:srgbClr val="FFFF00"/>
+              </a:solidFill>
+            </a:endParaRPr>
           </a:p>
         </p:txBody>
       </p:sp>
@@ -14951,6 +14168,7 @@
               <a:rPr lang="es-ES" sz="2400"/>
               <a:t>Sintaxis:</a:t>
             </a:r>
+            <a:endParaRPr lang="es-ES" sz="2400"/>
           </a:p>
           <a:p>
             <a:pPr>
@@ -14970,6 +14188,7 @@
               <a:rPr lang="es-ES" sz="2400" b="1"/>
               <a:t>CREATE FUNCTION sp_name ([parameter[,...]]) RETURNS type  routine_body </a:t>
             </a:r>
+            <a:endParaRPr lang="es-ES" sz="2400" b="1"/>
           </a:p>
           <a:p>
             <a:pPr>
@@ -14989,6 +14208,7 @@
               <a:rPr lang="es-ES" sz="2400"/>
               <a:t>Una funcion (FUNCTION) es un procedimiento almacenado (PROCEDURE). </a:t>
             </a:r>
+            <a:endParaRPr lang="es-ES" sz="2400"/>
           </a:p>
           <a:p>
             <a:pPr>
@@ -15000,6 +14220,7 @@
               <a:rPr lang="es-ES" sz="2400"/>
               <a:t>Difieren de los procedimientos en: </a:t>
             </a:r>
+            <a:endParaRPr lang="es-ES" sz="2400"/>
           </a:p>
           <a:p>
             <a:pPr>
@@ -15008,9 +14229,18 @@
               </a:lnSpc>
             </a:pPr>
             <a:r>
-              <a:rPr lang="es-ES" sz="2400"/>
+              <a:rPr lang="es-ES" sz="2400">
+                <a:solidFill>
+                  <a:srgbClr val="FFFF00"/>
+                </a:solidFill>
+              </a:rPr>
               <a:t>La lista de parámetros solo puede contener parámetros de entrada. </a:t>
             </a:r>
+            <a:endParaRPr lang="es-ES" sz="2400">
+              <a:solidFill>
+                <a:srgbClr val="FFFF00"/>
+              </a:solidFill>
+            </a:endParaRPr>
           </a:p>
           <a:p>
             <a:pPr>
@@ -15019,9 +14249,18 @@
               </a:lnSpc>
             </a:pPr>
             <a:r>
-              <a:rPr lang="es-ES" sz="2400"/>
+              <a:rPr lang="es-ES" sz="2400">
+                <a:solidFill>
+                  <a:srgbClr val="FFFF00"/>
+                </a:solidFill>
+              </a:rPr>
               <a:t>IN, OUT o INOUT es solo válido para PA.</a:t>
             </a:r>
+            <a:endParaRPr lang="es-ES" sz="2400">
+              <a:solidFill>
+                <a:srgbClr val="FFFF00"/>
+              </a:solidFill>
+            </a:endParaRPr>
           </a:p>
           <a:p>
             <a:pPr>
@@ -15033,6 +14272,7 @@
               <a:rPr lang="es-ES" sz="2400"/>
               <a:t>Una funcion siempre debe retornar un valor del tipo definido en la declaracion de la funcion. </a:t>
             </a:r>
+            <a:endParaRPr lang="es-ES" sz="2400"/>
           </a:p>
           <a:p>
             <a:pPr>
@@ -15044,6 +14284,7 @@
               <a:rPr lang="es-ES" sz="2400"/>
               <a:t>Las fns. pueden ser llamadas dentro de sentencias sql</a:t>
             </a:r>
+            <a:endParaRPr lang="es-ES" sz="2400"/>
           </a:p>
           <a:p>
             <a:pPr>
@@ -15055,6 +14296,7 @@
               <a:rPr lang="es-ES" sz="2400"/>
               <a:t>Una funcion no puede devolver un registro de datos.</a:t>
             </a:r>
+            <a:endParaRPr lang="es-ES" sz="2400"/>
           </a:p>
           <a:p>
             <a:pPr>
@@ -15109,20 +14351,14 @@
       </p:grpSpPr>
       <p:pic>
         <p:nvPicPr>
-          <p:cNvPr id="4" name="Imagen 3">
-            <a:extLst>
-              <a:ext uri="{FF2B5EF4-FFF2-40B4-BE49-F238E27FC236}">
-                <a16:creationId xmlns:a16="http://schemas.microsoft.com/office/drawing/2014/main" id="{ED9C1C7B-B8EB-4A9D-8BC8-90264898B71F}"/>
-              </a:ext>
-            </a:extLst>
-          </p:cNvPr>
+          <p:cNvPr id="4" name="Imagen 3"/>
           <p:cNvPicPr>
             <a:picLocks noChangeAspect="1"/>
           </p:cNvPicPr>
           <p:nvPr/>
         </p:nvPicPr>
         <p:blipFill>
-          <a:blip r:embed="rId2"/>
+          <a:blip r:embed="rId1"/>
           <a:stretch>
             <a:fillRect/>
           </a:stretch>
@@ -15138,11 +14374,6 @@
         </p:spPr>
       </p:pic>
     </p:spTree>
-    <p:extLst>
-      <p:ext uri="{BB962C8B-B14F-4D97-AF65-F5344CB8AC3E}">
-        <p14:creationId xmlns:p14="http://schemas.microsoft.com/office/powerpoint/2010/main" val="404709263"/>
-      </p:ext>
-    </p:extLst>
   </p:cSld>
   <p:clrMapOvr>
     <a:masterClrMapping/>
@@ -15169,20 +14400,14 @@
       </p:grpSpPr>
       <p:pic>
         <p:nvPicPr>
-          <p:cNvPr id="4" name="Imagen 3">
-            <a:extLst>
-              <a:ext uri="{FF2B5EF4-FFF2-40B4-BE49-F238E27FC236}">
-                <a16:creationId xmlns:a16="http://schemas.microsoft.com/office/drawing/2014/main" id="{745BC0C1-D4FA-451F-A6C4-304AD3640E72}"/>
-              </a:ext>
-            </a:extLst>
-          </p:cNvPr>
+          <p:cNvPr id="4" name="Imagen 3"/>
           <p:cNvPicPr>
             <a:picLocks noChangeAspect="1"/>
           </p:cNvPicPr>
           <p:nvPr/>
         </p:nvPicPr>
         <p:blipFill>
-          <a:blip r:embed="rId2"/>
+          <a:blip r:embed="rId1"/>
           <a:stretch>
             <a:fillRect/>
           </a:stretch>
@@ -15198,11 +14423,6 @@
         </p:spPr>
       </p:pic>
     </p:spTree>
-    <p:extLst>
-      <p:ext uri="{BB962C8B-B14F-4D97-AF65-F5344CB8AC3E}">
-        <p14:creationId xmlns:p14="http://schemas.microsoft.com/office/powerpoint/2010/main" val="1523502837"/>
-      </p:ext>
-    </p:extLst>
   </p:cSld>
   <p:clrMapOvr>
     <a:masterClrMapping/>
@@ -15260,19 +14480,13 @@
       </p:sp>
       <p:sp>
         <p:nvSpPr>
-          <p:cNvPr id="2" name="Rectángulo 1">
-            <a:extLst>
-              <a:ext uri="{FF2B5EF4-FFF2-40B4-BE49-F238E27FC236}">
-                <a16:creationId xmlns:a16="http://schemas.microsoft.com/office/drawing/2014/main" id="{A1B32DBC-0CFD-4BD3-BE2A-A1B1F9ED9A0D}"/>
-              </a:ext>
-            </a:extLst>
-          </p:cNvPr>
+          <p:cNvPr id="2" name="Rectángulo 1"/>
           <p:cNvSpPr/>
           <p:nvPr/>
         </p:nvSpPr>
         <p:spPr>
           <a:xfrm>
-            <a:off x="1803335" y="2676869"/>
+            <a:off x="609535" y="2676869"/>
             <a:ext cx="9086462" cy="923330"/>
           </a:xfrm>
           <a:prstGeom prst="rect">
@@ -15289,6 +14503,7 @@
               <a:rPr lang="es-ES" sz="5400" b="1" dirty="0"/>
               <a:t>Algunas estructuras de control.</a:t>
             </a:r>
+            <a:endParaRPr lang="es-ES" sz="5400" b="1" dirty="0"/>
           </a:p>
         </p:txBody>
       </p:sp>
@@ -15381,6 +14596,7 @@
               <a:rPr lang="es-ES" sz="2400" b="1"/>
               <a:t> THEN …</a:t>
             </a:r>
+            <a:endParaRPr lang="es-ES" sz="2400" b="1"/>
           </a:p>
           <a:p>
             <a:pPr>
@@ -15394,6 +14610,7 @@
               <a:rPr lang="es-ES" sz="2400" b="1"/>
               <a:t>ELSE …</a:t>
             </a:r>
+            <a:endParaRPr lang="es-ES" sz="2400" b="1"/>
           </a:p>
           <a:p>
             <a:pPr>
@@ -15519,6 +14736,7 @@
               <a:rPr lang="es-ES" sz="2400"/>
               <a:t>  </a:t>
             </a:r>
+            <a:endParaRPr lang="es-ES" sz="2400"/>
           </a:p>
           <a:p>
             <a:pPr>
@@ -15532,6 +14750,7 @@
               <a:rPr lang="es-ES" sz="2400"/>
               <a:t> -- contenido del bucle </a:t>
             </a:r>
+            <a:endParaRPr lang="es-ES" sz="2400"/>
           </a:p>
           <a:p>
             <a:pPr>
@@ -15605,6 +14824,7 @@
               <a:rPr lang="es-ES" sz="2400" b="1"/>
               <a:t>REPEAT – UNTIL</a:t>
             </a:r>
+            <a:endParaRPr lang="es-ES" sz="2400" b="1"/>
           </a:p>
           <a:p>
             <a:pPr>
@@ -15629,6 +14849,7 @@
               <a:rPr lang="es-ES" sz="2400" b="1"/>
               <a:t>REPEAT </a:t>
             </a:r>
+            <a:endParaRPr lang="es-ES" sz="2400" b="1"/>
           </a:p>
           <a:p>
             <a:pPr>
@@ -15639,6 +14860,7 @@
               <a:rPr lang="es-ES" sz="2400"/>
               <a:t>-- CODE DEL BUCLE </a:t>
             </a:r>
+            <a:endParaRPr lang="es-ES" sz="2400"/>
           </a:p>
           <a:p>
             <a:pPr>
@@ -15653,6 +14875,7 @@
               <a:rPr lang="es-ES" sz="2400"/>
               <a:t> variable &gt;= 1 </a:t>
             </a:r>
+            <a:endParaRPr lang="es-ES" sz="2400"/>
           </a:p>
           <a:p>
             <a:pPr>
@@ -15785,6 +15008,7 @@
               <a:rPr lang="es-ES" sz="2400"/>
               <a:t>variable </a:t>
             </a:r>
+            <a:endParaRPr lang="es-ES" sz="2400"/>
           </a:p>
           <a:p>
             <a:pPr>
@@ -15810,6 +15034,7 @@
               <a:rPr lang="es-ES" sz="2400"/>
               <a:t>-- que hacer en caso de que variable = 1 </a:t>
             </a:r>
+            <a:endParaRPr lang="es-ES" sz="2400"/>
           </a:p>
           <a:p>
             <a:pPr>
@@ -15835,6 +15060,7 @@
               <a:rPr lang="es-ES" sz="2400"/>
               <a:t>-- que hacer en caso de que variable = 2 </a:t>
             </a:r>
+            <a:endParaRPr lang="es-ES" sz="2400"/>
           </a:p>
           <a:p>
             <a:pPr>
@@ -15860,6 +15086,7 @@
               <a:rPr lang="es-ES" sz="2400"/>
               <a:t> -- que hacer en caso de que variable = x </a:t>
             </a:r>
+            <a:endParaRPr lang="es-ES" sz="2400"/>
           </a:p>
           <a:p>
             <a:pPr>
@@ -15877,6 +15104,7 @@
               <a:rPr lang="es-ES" sz="2400"/>
               <a:t> -- que hacer en caso de que no se presente alguno de los casos anteriores </a:t>
             </a:r>
+            <a:endParaRPr lang="es-ES" sz="2400"/>
           </a:p>
           <a:p>
             <a:pPr>
@@ -15928,18 +15156,12 @@
       </p:grpSpPr>
       <p:pic>
         <p:nvPicPr>
-          <p:cNvPr id="4" name="Imagen 3">
-            <a:extLst>
-              <a:ext uri="{FF2B5EF4-FFF2-40B4-BE49-F238E27FC236}">
-                <a16:creationId xmlns:a16="http://schemas.microsoft.com/office/drawing/2014/main" id="{F2657837-CAE0-4C07-9A6B-18F8A9610E7A}"/>
-              </a:ext>
-            </a:extLst>
-          </p:cNvPr>
+          <p:cNvPr id="4" name="Imagen 3"/>
           <p:cNvPicPr/>
           <p:nvPr/>
         </p:nvPicPr>
         <p:blipFill>
-          <a:blip r:embed="rId2"/>
+          <a:blip r:embed="rId1"/>
           <a:srcRect l="27665" t="35045" r="27359" b="23263"/>
           <a:stretch>
             <a:fillRect/>
@@ -15963,11 +15185,6 @@
         </p:spPr>
       </p:pic>
     </p:spTree>
-    <p:extLst>
-      <p:ext uri="{BB962C8B-B14F-4D97-AF65-F5344CB8AC3E}">
-        <p14:creationId xmlns:p14="http://schemas.microsoft.com/office/powerpoint/2010/main" val="1515018485"/>
-      </p:ext>
-    </p:extLst>
   </p:cSld>
   <p:clrMapOvr>
     <a:masterClrMapping/>
@@ -15994,26 +15211,17 @@
       </p:grpSpPr>
       <p:pic>
         <p:nvPicPr>
-          <p:cNvPr id="5" name="Imagen 4">
-            <a:extLst>
-              <a:ext uri="{FF2B5EF4-FFF2-40B4-BE49-F238E27FC236}">
-                <a16:creationId xmlns:a16="http://schemas.microsoft.com/office/drawing/2014/main" id="{7EA2E7BB-99E6-479E-B1D0-A619907BCEA6}"/>
-              </a:ext>
-            </a:extLst>
-          </p:cNvPr>
+          <p:cNvPr id="5" name="Imagen 4"/>
           <p:cNvPicPr>
             <a:picLocks noChangeAspect="1"/>
           </p:cNvPicPr>
           <p:nvPr/>
         </p:nvPicPr>
         <p:blipFill>
-          <a:blip r:embed="rId2">
+          <a:blip r:embed="rId1">
             <a:extLst>
               <a:ext uri="{28A0092B-C50C-407E-A947-70E740481C1C}">
                 <a14:useLocalDpi xmlns:a14="http://schemas.microsoft.com/office/drawing/2010/main" val="0"/>
-              </a:ext>
-              <a:ext uri="{837473B0-CC2E-450A-ABE3-18F120FF3D39}">
-                <a1611:picAttrSrcUrl xmlns:a1611="http://schemas.microsoft.com/office/drawing/2016/11/main" r:id="rId3"/>
               </a:ext>
             </a:extLst>
           </a:blip>
@@ -16033,13 +15241,7 @@
       </p:pic>
       <p:sp>
         <p:nvSpPr>
-          <p:cNvPr id="6" name="CuadroTexto 5">
-            <a:extLst>
-              <a:ext uri="{FF2B5EF4-FFF2-40B4-BE49-F238E27FC236}">
-                <a16:creationId xmlns:a16="http://schemas.microsoft.com/office/drawing/2014/main" id="{6B466154-5DA0-4D0D-8EC8-0BD173BED50A}"/>
-              </a:ext>
-            </a:extLst>
-          </p:cNvPr>
+          <p:cNvPr id="6" name="CuadroTexto 5"/>
           <p:cNvSpPr txBox="1"/>
           <p:nvPr/>
         </p:nvSpPr>
@@ -16061,7 +15263,7 @@
           <a:p>
             <a:r>
               <a:rPr lang="es-AR" sz="900">
-                <a:hlinkClick r:id="rId3" tooltip="https://es.wikiquote.org/wiki/Pregunta"/>
+                <a:hlinkClick r:id="rId2" tooltip="https://es.wikiquote.org/wiki/Pregunta"/>
               </a:rPr>
               <a:t>Esta foto</a:t>
             </a:r>
@@ -16071,7 +15273,7 @@
             </a:r>
             <a:r>
               <a:rPr lang="es-AR" sz="900">
-                <a:hlinkClick r:id="rId4" tooltip="https://creativecommons.org/licenses/by-sa/3.0/"/>
+                <a:hlinkClick r:id="rId3" tooltip="https://creativecommons.org/licenses/by-sa/3.0/"/>
               </a:rPr>
               <a:t>CC BY-SA</a:t>
             </a:r>
@@ -16080,11 +15282,6 @@
         </p:txBody>
       </p:sp>
     </p:spTree>
-    <p:extLst>
-      <p:ext uri="{BB962C8B-B14F-4D97-AF65-F5344CB8AC3E}">
-        <p14:creationId xmlns:p14="http://schemas.microsoft.com/office/powerpoint/2010/main" val="973465791"/>
-      </p:ext>
-    </p:extLst>
   </p:cSld>
   <p:clrMapOvr>
     <a:masterClrMapping/>
@@ -16153,13 +15350,23 @@
               <a:rPr lang="es-ES" b="1"/>
               <a:t>Diseño modular. </a:t>
             </a:r>
+            <a:endParaRPr lang="es-ES" b="1"/>
           </a:p>
           <a:p>
             <a:pPr eaLnBrk="1" hangingPunct="1"/>
             <a:r>
+              <a:rPr lang="es-ES" b="1">
+                <a:solidFill>
+                  <a:srgbClr val="FFFF00"/>
+                </a:solidFill>
+              </a:rPr>
+              <a:t>Aplicaciones que acceden la misma Base de Datos pueden compartir los procedimientos almacenados</a:t>
+            </a:r>
+            <a:r>
               <a:rPr lang="es-ES" b="1"/>
-              <a:t>Aplicaciones que acceden la misma Base de Datos pueden compartir los procedimientos almacenados, eliminando el código doble y reduciendo el tamaño de las aplicaciones. </a:t>
-            </a:r>
+              <a:t>, eliminando el código doble y reduciendo el tamaño de las aplicaciones. </a:t>
+            </a:r>
+            <a:endParaRPr lang="es-ES" b="1"/>
           </a:p>
           <a:p>
             <a:pPr eaLnBrk="1" hangingPunct="1"/>
@@ -16167,6 +15374,7 @@
               <a:rPr lang="es-ES" b="1"/>
               <a:t>El fácil mantenimiento. </a:t>
             </a:r>
+            <a:endParaRPr lang="es-ES" b="1"/>
           </a:p>
           <a:p>
             <a:pPr eaLnBrk="1" hangingPunct="1"/>
@@ -16240,9 +15448,18 @@
           <a:p>
             <a:pPr eaLnBrk="1" hangingPunct="1"/>
             <a:r>
+              <a:rPr lang="es-ES" b="1">
+                <a:solidFill>
+                  <a:srgbClr val="FFFF00"/>
+                </a:solidFill>
+              </a:rPr>
+              <a:t>Cuando un procedimiento se actualiza, los cambios se reflejan automáticamente </a:t>
+            </a:r>
+            <a:r>
               <a:rPr lang="es-ES" b="1"/>
-              <a:t>Cuando un procedimiento se actualiza, los cambios se reflejan automáticamente en todas las aplicaciones, sin la necesidad de recompilar y re linkear. Las aplicaciones son compiladas sólo una vez para cada cliente. </a:t>
-            </a:r>
+              <a:t>en todas las aplicaciones, sin la necesidad de recompilar y re linkear. Las aplicaciones son compiladas sólo una vez para cada cliente. </a:t>
+            </a:r>
+            <a:endParaRPr lang="es-ES" b="1"/>
           </a:p>
           <a:p>
             <a:pPr eaLnBrk="1" hangingPunct="1"/>
@@ -16316,9 +15533,18 @@
           <a:p>
             <a:pPr eaLnBrk="1" hangingPunct="1"/>
             <a:r>
+              <a:rPr lang="es-ES" b="1">
+                <a:solidFill>
+                  <a:srgbClr val="FFFF00"/>
+                </a:solidFill>
+              </a:rPr>
+              <a:t>Los procedimientos almacenados son ejecutados por el servidor</a:t>
+            </a:r>
+            <a:r>
               <a:rPr lang="es-ES" b="1"/>
-              <a:t>Los procedimientos almacenados son ejecutados por el servidor, no por el cliente lo que reduce el tráfico en la red y mejora el performance o desempeño, especialmente para el acceso del cliente remoto.  </a:t>
-            </a:r>
+              <a:t>, no por el cliente lo que reduce el tráfico en la red y mejora el performance o desempeño, especialmente para el acceso del cliente remoto.  </a:t>
+            </a:r>
+            <a:endParaRPr lang="es-ES" b="1"/>
           </a:p>
           <a:p>
             <a:pPr eaLnBrk="1" hangingPunct="1"/>
@@ -16396,9 +15622,18 @@
           <a:p>
             <a:pPr eaLnBrk="1" hangingPunct="1"/>
             <a:r>
+              <a:rPr lang="es-ES" b="1">
+                <a:solidFill>
+                  <a:srgbClr val="FFFF00"/>
+                </a:solidFill>
+              </a:rPr>
+              <a:t>Están almacenados en los servidores y asegurados por las medidas tomadas en la instalación, </a:t>
+            </a:r>
+            <a:r>
               <a:rPr lang="es-ES" b="1"/>
-              <a:t>Están almacenados en los servidores y asegurados por las medidas tomadas en la instalación, lo que impide que los usuarios normales puedan modificarlos e incluso desconocen su existencia. Este es un elemento de gran valor en lo que a seguridad respecta</a:t>
-            </a:r>
+              <a:t>lo que impide que los usuarios normales puedan modificarlos e incluso desconocen su existencia. Este es un elemento de gran valor en lo que a seguridad respecta</a:t>
+            </a:r>
+            <a:endParaRPr lang="es-ES" b="1"/>
           </a:p>
         </p:txBody>
       </p:sp>
@@ -16475,6 +15710,7 @@
               <a:rPr lang="es-ES" sz="2800" dirty="0"/>
               <a:t>Cada vez que un comando 	PL-SQL, o conjunto de comandos, es enviado el servidor para su procesamiento, el servidor debe determinar si el remitente tiene suficientes privilegios para ejecutar esos comandos y si los comandos son válidos. </a:t>
             </a:r>
+            <a:endParaRPr lang="es-ES" sz="2800" dirty="0"/>
           </a:p>
           <a:p>
             <a:pPr eaLnBrk="1" hangingPunct="1">
@@ -16502,6 +15738,7 @@
               <a:rPr lang="es-ES" sz="2800" dirty="0"/>
               <a:t> construye un plan de ejecución para procesar el pedido. </a:t>
             </a:r>
+            <a:endParaRPr lang="es-ES" sz="2800" dirty="0"/>
           </a:p>
         </p:txBody>
       </p:sp>
@@ -16574,6 +15811,7 @@
               <a:rPr lang="es-ES" dirty="0"/>
               <a:t>Los procedimientos almacenados son más eficientes en parte porque el procedimiento es almacenado en el Server cuando se crea</a:t>
             </a:r>
+            <a:endParaRPr lang="es-ES" dirty="0"/>
           </a:p>
           <a:p>
             <a:pPr eaLnBrk="1" hangingPunct="1"/>
@@ -16581,6 +15819,7 @@
               <a:rPr lang="es-ES" dirty="0"/>
               <a:t>La sintaxis de los comandos contenidos en un procedimiento almacenado se comprueba que este libre de errores antes de ser guardado. </a:t>
             </a:r>
+            <a:endParaRPr lang="es-ES" dirty="0"/>
           </a:p>
         </p:txBody>
       </p:sp>
@@ -16635,7 +15874,7 @@
     </a:clrScheme>
     <a:fontScheme name="Circuito">
       <a:majorFont>
-        <a:latin typeface="Tw Cen MT" panose="020B0602020104020603"/>
+        <a:latin typeface="Tw Cen MT"/>
         <a:ea typeface=""/>
         <a:cs typeface=""/>
         <a:font script="Jpan" typeface="ＭＳ Ｐゴシック"/>
@@ -16670,7 +15909,7 @@
         <a:font script="Geor" typeface="Sylfaen"/>
       </a:majorFont>
       <a:minorFont>
-        <a:latin typeface="Tw Cen MT" panose="020B0602020104020603"/>
+        <a:latin typeface="Tw Cen MT"/>
         <a:ea typeface=""/>
         <a:cs typeface=""/>
         <a:font script="Jpan" typeface="ＭＳ Ｐゴシック"/>
@@ -16828,16 +16067,16 @@
               </a:schemeClr>
             </a:duotone>
           </a:blip>
-          <a:stretch/>
+          <a:stretch>
+            <a:fillRect/>
+          </a:stretch>
         </a:blipFill>
       </a:bgFillStyleLst>
     </a:fmtScheme>
   </a:themeElements>
-  <a:objectDefaults/>
-  <a:extraClrSchemeLst/>
   <a:extLst>
     <a:ext uri="{05A4C25C-085E-4340-85A3-A5531E510DB2}">
-      <thm15:themeFamily xmlns:thm15="http://schemas.microsoft.com/office/thememl/2012/main" name="Circuit" id="{0AC2F7E7-15F5-431C-B2A2-456FE929F56C}" vid="{14971C58-AB76-4A2A-B231-5F8CA03CF491}"/>
+      <thm15:themeFamily xmlns:thm15="http://schemas.microsoft.com/office/thememl/2012/main" name="Office Theme" id="{62F939B6-93AF-4DB8-9C6B-D6C7DFDC589F}" vid="{4A3C46E8-61CC-4603-A589-7422A47A8E4A}"/>
     </a:ext>
   </a:extLst>
 </a:theme>
